--- a/English/1.Importation techniques/5.Importing data from web.pptx
+++ b/English/1.Importation techniques/5.Importing data from web.pptx
@@ -19,7 +19,7 @@
   <p:notesSz cx="6858000" cy="9144000"/>
   <p:defaultTextStyle>
     <a:defPPr>
-      <a:defRPr lang="en-US"/>
+      <a:defRPr lang="en"/>
     </a:defPPr>
     <a:lvl1pPr marL="0" algn="l" defTabSz="914400" rtl="0" eaLnBrk="1" latinLnBrk="0" hangingPunct="1">
       <a:defRPr sz="1800" kern="1200">
@@ -202,7 +202,7 @@
           <a:p>
             <a:fld id="{056BA3B8-9F76-4D81-B71D-76CB85363062}" type="datetimeFigureOut">
               <a:rPr lang="en-US" smtClean="0"/>
-              <a:t>12/30/2024</a:t>
+              <a:t>2/25/2025</a:t>
             </a:fld>
             <a:endParaRPr lang="en-US"/>
           </a:p>
@@ -937,7 +937,7 @@
           <a:p>
             <a:fld id="{6F01DA4D-20EA-48D2-973C-0311EC3005D6}" type="datetimeFigureOut">
               <a:rPr lang="en-US" smtClean="0"/>
-              <a:t>12/30/2024</a:t>
+              <a:t>2/25/2025</a:t>
             </a:fld>
             <a:endParaRPr lang="en-US"/>
           </a:p>
@@ -1107,7 +1107,7 @@
           <a:p>
             <a:fld id="{6F01DA4D-20EA-48D2-973C-0311EC3005D6}" type="datetimeFigureOut">
               <a:rPr lang="en-US" smtClean="0"/>
-              <a:t>12/30/2024</a:t>
+              <a:t>2/25/2025</a:t>
             </a:fld>
             <a:endParaRPr lang="en-US"/>
           </a:p>
@@ -1287,7 +1287,7 @@
           <a:p>
             <a:fld id="{6F01DA4D-20EA-48D2-973C-0311EC3005D6}" type="datetimeFigureOut">
               <a:rPr lang="en-US" smtClean="0"/>
-              <a:t>12/30/2024</a:t>
+              <a:t>2/25/2025</a:t>
             </a:fld>
             <a:endParaRPr lang="en-US"/>
           </a:p>
@@ -1457,7 +1457,7 @@
           <a:p>
             <a:fld id="{6F01DA4D-20EA-48D2-973C-0311EC3005D6}" type="datetimeFigureOut">
               <a:rPr lang="en-US" smtClean="0"/>
-              <a:t>12/30/2024</a:t>
+              <a:t>2/25/2025</a:t>
             </a:fld>
             <a:endParaRPr lang="en-US"/>
           </a:p>
@@ -1703,7 +1703,7 @@
           <a:p>
             <a:fld id="{6F01DA4D-20EA-48D2-973C-0311EC3005D6}" type="datetimeFigureOut">
               <a:rPr lang="en-US" smtClean="0"/>
-              <a:t>12/30/2024</a:t>
+              <a:t>2/25/2025</a:t>
             </a:fld>
             <a:endParaRPr lang="en-US"/>
           </a:p>
@@ -1935,7 +1935,7 @@
           <a:p>
             <a:fld id="{6F01DA4D-20EA-48D2-973C-0311EC3005D6}" type="datetimeFigureOut">
               <a:rPr lang="en-US" smtClean="0"/>
-              <a:t>12/30/2024</a:t>
+              <a:t>2/25/2025</a:t>
             </a:fld>
             <a:endParaRPr lang="en-US"/>
           </a:p>
@@ -2302,7 +2302,7 @@
           <a:p>
             <a:fld id="{6F01DA4D-20EA-48D2-973C-0311EC3005D6}" type="datetimeFigureOut">
               <a:rPr lang="en-US" smtClean="0"/>
-              <a:t>12/30/2024</a:t>
+              <a:t>2/25/2025</a:t>
             </a:fld>
             <a:endParaRPr lang="en-US"/>
           </a:p>
@@ -2420,7 +2420,7 @@
           <a:p>
             <a:fld id="{6F01DA4D-20EA-48D2-973C-0311EC3005D6}" type="datetimeFigureOut">
               <a:rPr lang="en-US" smtClean="0"/>
-              <a:t>12/30/2024</a:t>
+              <a:t>2/25/2025</a:t>
             </a:fld>
             <a:endParaRPr lang="en-US"/>
           </a:p>
@@ -2515,7 +2515,7 @@
           <a:p>
             <a:fld id="{6F01DA4D-20EA-48D2-973C-0311EC3005D6}" type="datetimeFigureOut">
               <a:rPr lang="en-US" smtClean="0"/>
-              <a:t>12/30/2024</a:t>
+              <a:t>2/25/2025</a:t>
             </a:fld>
             <a:endParaRPr lang="en-US"/>
           </a:p>
@@ -2792,7 +2792,7 @@
           <a:p>
             <a:fld id="{6F01DA4D-20EA-48D2-973C-0311EC3005D6}" type="datetimeFigureOut">
               <a:rPr lang="en-US" smtClean="0"/>
-              <a:t>12/30/2024</a:t>
+              <a:t>2/25/2025</a:t>
             </a:fld>
             <a:endParaRPr lang="en-US"/>
           </a:p>
@@ -3045,7 +3045,7 @@
           <a:p>
             <a:fld id="{6F01DA4D-20EA-48D2-973C-0311EC3005D6}" type="datetimeFigureOut">
               <a:rPr lang="en-US" smtClean="0"/>
-              <a:t>12/30/2024</a:t>
+              <a:t>2/25/2025</a:t>
             </a:fld>
             <a:endParaRPr lang="en-US"/>
           </a:p>
@@ -3258,7 +3258,7 @@
           <a:p>
             <a:fld id="{6F01DA4D-20EA-48D2-973C-0311EC3005D6}" type="datetimeFigureOut">
               <a:rPr lang="en-US" smtClean="0"/>
-              <a:t>12/30/2024</a:t>
+              <a:t>2/25/2025</a:t>
             </a:fld>
             <a:endParaRPr lang="en-US"/>
           </a:p>
@@ -3679,7 +3679,7 @@
         </p:nvSpPr>
         <p:spPr>
           <a:xfrm>
-            <a:off x="1384513" y="1790391"/>
+            <a:off x="1553846" y="1824258"/>
             <a:ext cx="9199606" cy="2554545"/>
           </a:xfrm>
           <a:prstGeom prst="rect">
@@ -3693,9 +3693,9 @@
           </a:bodyPr>
           <a:lstStyle/>
           <a:p>
-            <a:pPr algn="ctr"/>
-            <a:r>
-              <a:rPr lang="en-US" sz="8000" b="1" dirty="0" smtClean="0">
+            <a:pPr xmlns:a="http://schemas.openxmlformats.org/drawingml/2006/main" algn="ctr"/>
+            <a:r xmlns:a="http://schemas.openxmlformats.org/drawingml/2006/main">
+              <a:rPr lang="en" sz="8000" b="1" dirty="0" smtClean="0">
                 <a:solidFill>
                   <a:srgbClr val="7030A0"/>
                 </a:solidFill>
@@ -3703,13 +3703,32 @@
                 <a:ea typeface="Verdana" panose="020B0604030504040204" pitchFamily="34" charset="0"/>
                 <a:cs typeface="Segoe UI" panose="020B0502040204020203" pitchFamily="34" charset="0"/>
               </a:rPr>
-              <a:t>Import data from</a:t>
-            </a:r>
-          </a:p>
-          <a:p>
-            <a:pPr algn="ctr"/>
-            <a:r>
-              <a:rPr lang="fr-FR" sz="8000" b="1" dirty="0" smtClean="0">
+              <a:t>Import </a:t>
+            </a:r>
+            <a:r xmlns:a="http://schemas.openxmlformats.org/drawingml/2006/main">
+              <a:rPr lang="en" sz="8000" b="1" dirty="0" smtClean="0">
+                <a:solidFill>
+                  <a:srgbClr val="7030A0"/>
+                </a:solidFill>
+                <a:latin typeface="Segoe UI" panose="020B0502040204020203" pitchFamily="34" charset="0"/>
+                <a:ea typeface="Verdana" panose="020B0604030504040204" pitchFamily="34" charset="0"/>
+                <a:cs typeface="Segoe UI" panose="020B0502040204020203" pitchFamily="34" charset="0"/>
+              </a:rPr>
+              <a:t>data </a:t>
+            </a:r>
+            <a:r xmlns:a="http://schemas.openxmlformats.org/drawingml/2006/main">
+              <a:rPr lang="en" sz="8000" b="1" dirty="0" smtClean="0">
+                <a:solidFill>
+                  <a:srgbClr val="7030A0"/>
+                </a:solidFill>
+                <a:latin typeface="Segoe UI" panose="020B0502040204020203" pitchFamily="34" charset="0"/>
+                <a:ea typeface="Verdana" panose="020B0604030504040204" pitchFamily="34" charset="0"/>
+                <a:cs typeface="Segoe UI" panose="020B0502040204020203" pitchFamily="34" charset="0"/>
+              </a:rPr>
+              <a:t>from the </a:t>
+            </a:r>
+            <a:r xmlns:a="http://schemas.openxmlformats.org/drawingml/2006/main">
+              <a:rPr lang="en" sz="8000" b="1" dirty="0" smtClean="0">
                 <a:solidFill>
                   <a:srgbClr val="7030A0"/>
                 </a:solidFill>
@@ -3719,7 +3738,7 @@
               </a:rPr>
               <a:t>web</a:t>
             </a:r>
-            <a:endParaRPr lang="en-US" sz="8000" b="1" dirty="0">
+            <a:endParaRPr xmlns:a="http://schemas.openxmlformats.org/drawingml/2006/main" lang="en-US" sz="8000" b="1" dirty="0">
               <a:solidFill>
                 <a:srgbClr val="7030A0"/>
               </a:solidFill>
@@ -3732,13 +3751,13 @@
       </p:sp>
       <p:sp>
         <p:nvSpPr>
-          <p:cNvPr id="5" name="TextBox 4"/>
+          <p:cNvPr id="4" name="TextBox 3"/>
           <p:cNvSpPr txBox="1"/>
           <p:nvPr/>
         </p:nvSpPr>
         <p:spPr>
           <a:xfrm>
-            <a:off x="1384513" y="1721951"/>
+            <a:off x="1491757" y="1762169"/>
             <a:ext cx="9199606" cy="2554545"/>
           </a:xfrm>
           <a:prstGeom prst="rect">
@@ -3752,9 +3771,9 @@
           </a:bodyPr>
           <a:lstStyle/>
           <a:p>
-            <a:pPr algn="ctr"/>
-            <a:r>
-              <a:rPr lang="en-US" sz="8000" b="1" dirty="0" smtClean="0">
+            <a:pPr xmlns:a="http://schemas.openxmlformats.org/drawingml/2006/main" algn="ctr"/>
+            <a:r xmlns:a="http://schemas.openxmlformats.org/drawingml/2006/main">
+              <a:rPr lang="en" sz="8000" b="1" dirty="0" smtClean="0">
                 <a:solidFill>
                   <a:schemeClr val="bg1"/>
                 </a:solidFill>
@@ -3764,8 +3783,8 @@
               </a:rPr>
               <a:t>Import </a:t>
             </a:r>
-            <a:r>
-              <a:rPr lang="fr-FR" sz="8000" b="1" dirty="0" smtClean="0">
+            <a:r xmlns:a="http://schemas.openxmlformats.org/drawingml/2006/main">
+              <a:rPr lang="en" sz="8000" b="1" dirty="0" smtClean="0">
                 <a:solidFill>
                   <a:schemeClr val="bg1"/>
                 </a:solidFill>
@@ -3775,8 +3794,8 @@
               </a:rPr>
               <a:t>data </a:t>
             </a:r>
-            <a:r>
-              <a:rPr lang="fr-FR" sz="8000" b="1" dirty="0" err="1" smtClean="0">
+            <a:r xmlns:a="http://schemas.openxmlformats.org/drawingml/2006/main">
+              <a:rPr lang="en" sz="8000" b="1" dirty="0" smtClean="0">
                 <a:solidFill>
                   <a:schemeClr val="bg1"/>
                 </a:solidFill>
@@ -3784,21 +3803,10 @@
                 <a:ea typeface="Verdana" panose="020B0604030504040204" pitchFamily="34" charset="0"/>
                 <a:cs typeface="Segoe UI" panose="020B0502040204020203" pitchFamily="34" charset="0"/>
               </a:rPr>
-              <a:t>from</a:t>
-            </a:r>
-            <a:endParaRPr lang="fr-FR" sz="8000" b="1" dirty="0" smtClean="0">
-              <a:solidFill>
-                <a:schemeClr val="bg1"/>
-              </a:solidFill>
-              <a:latin typeface="Segoe UI" panose="020B0502040204020203" pitchFamily="34" charset="0"/>
-              <a:ea typeface="Verdana" panose="020B0604030504040204" pitchFamily="34" charset="0"/>
-              <a:cs typeface="Segoe UI" panose="020B0502040204020203" pitchFamily="34" charset="0"/>
-            </a:endParaRPr>
-          </a:p>
-          <a:p>
-            <a:pPr algn="ctr"/>
-            <a:r>
-              <a:rPr lang="fr-FR" sz="8000" b="1" dirty="0" smtClean="0">
+              <a:t>from the </a:t>
+            </a:r>
+            <a:r xmlns:a="http://schemas.openxmlformats.org/drawingml/2006/main">
+              <a:rPr lang="en" sz="8000" b="1" dirty="0" smtClean="0">
                 <a:solidFill>
                   <a:schemeClr val="bg1"/>
                 </a:solidFill>
@@ -3808,7 +3816,7 @@
               </a:rPr>
               <a:t>web</a:t>
             </a:r>
-            <a:endParaRPr lang="en-US" sz="8000" b="1" dirty="0">
+            <a:endParaRPr xmlns:a="http://schemas.openxmlformats.org/drawingml/2006/main" lang="en-US" sz="8000" b="1" dirty="0">
               <a:solidFill>
                 <a:schemeClr val="bg1"/>
               </a:solidFill>
@@ -3865,7 +3873,7 @@
         <p:spPr>
           <a:xfrm>
             <a:off x="449178" y="216445"/>
-            <a:ext cx="2938625" cy="388696"/>
+            <a:ext cx="3347391" cy="366895"/>
           </a:xfrm>
           <a:prstGeom prst="rect">
             <a:avLst/>
@@ -3877,7 +3885,7 @@
           </a:bodyPr>
           <a:lstStyle/>
           <a:p>
-            <a:pPr>
+            <a:pPr xmlns:a="http://schemas.openxmlformats.org/drawingml/2006/main">
               <a:lnSpc>
                 <a:spcPct val="107000"/>
               </a:lnSpc>
@@ -3888,15 +3896,15 @@
                 <a:spcPts val="0"/>
               </a:spcAft>
             </a:pPr>
-            <a:r>
-              <a:rPr lang="en-US" b="1" kern="0" dirty="0" smtClean="0">
+            <a:r xmlns:a="http://schemas.openxmlformats.org/drawingml/2006/main">
+              <a:rPr lang="en" b="1" kern="0" dirty="0" smtClean="0">
                 <a:latin typeface="Segoe UI" panose="020B0502040204020203" pitchFamily="34" charset="0"/>
                 <a:ea typeface="Times New Roman" panose="02020603050405020304" pitchFamily="18" charset="0"/>
                 <a:cs typeface="Times New Roman" panose="02020603050405020304" pitchFamily="18" charset="0"/>
               </a:rPr>
-              <a:t>Importing data from web</a:t>
-            </a:r>
-            <a:endParaRPr lang="en-US" b="1" kern="0" dirty="0">
+              <a:t>Import data from the web</a:t>
+            </a:r>
+            <a:endParaRPr xmlns:a="http://schemas.openxmlformats.org/drawingml/2006/main" lang="en-US" b="1" kern="0" dirty="0">
               <a:latin typeface="Segoe UI" panose="020B0502040204020203" pitchFamily="34" charset="0"/>
               <a:ea typeface="Times New Roman" panose="02020603050405020304" pitchFamily="18" charset="0"/>
               <a:cs typeface="Times New Roman" panose="02020603050405020304" pitchFamily="18" charset="0"/>
@@ -3913,7 +3921,7 @@
         <p:spPr>
           <a:xfrm>
             <a:off x="449178" y="694652"/>
-            <a:ext cx="2838726" cy="373692"/>
+            <a:ext cx="3143296" cy="388696"/>
           </a:xfrm>
           <a:prstGeom prst="rect">
             <a:avLst/>
@@ -3925,7 +3933,7 @@
           </a:bodyPr>
           <a:lstStyle/>
           <a:p>
-            <a:pPr lvl="0">
+            <a:pPr xmlns:a="http://schemas.openxmlformats.org/drawingml/2006/main" lvl="0">
               <a:lnSpc>
                 <a:spcPct val="107000"/>
               </a:lnSpc>
@@ -3933,15 +3941,23 @@
                 <a:spcPts val="800"/>
               </a:spcAft>
             </a:pPr>
-            <a:r>
-              <a:rPr lang="fr-FR" dirty="0">
+            <a:r xmlns:a="http://schemas.openxmlformats.org/drawingml/2006/main">
+              <a:rPr lang="en" dirty="0" err="1" smtClean="0">
                 <a:latin typeface="Segoe UI" panose="020B0502040204020203" pitchFamily="34" charset="0"/>
                 <a:ea typeface="Calibri" panose="020F0502020204030204" pitchFamily="34" charset="0"/>
                 <a:cs typeface="Times New Roman" panose="02020603050405020304" pitchFamily="18" charset="0"/>
               </a:rPr>
-              <a:t>Select Web as data source</a:t>
-            </a:r>
-            <a:endParaRPr lang="en-US" sz="1400" dirty="0">
+              <a:t>Select </a:t>
+            </a:r>
+            <a:r xmlns:a="http://schemas.openxmlformats.org/drawingml/2006/main">
+              <a:rPr lang="en" dirty="0" smtClean="0">
+                <a:latin typeface="Segoe UI" panose="020B0502040204020203" pitchFamily="34" charset="0"/>
+                <a:ea typeface="Calibri" panose="020F0502020204030204" pitchFamily="34" charset="0"/>
+                <a:cs typeface="Times New Roman" panose="02020603050405020304" pitchFamily="18" charset="0"/>
+              </a:rPr>
+              <a:t>a web source</a:t>
+            </a:r>
+            <a:endParaRPr xmlns:a="http://schemas.openxmlformats.org/drawingml/2006/main" lang="en-US" sz="1400" dirty="0">
               <a:effectLst/>
               <a:latin typeface="Calibri" panose="020F0502020204030204" pitchFamily="34" charset="0"/>
               <a:ea typeface="Calibri" panose="020F0502020204030204" pitchFamily="34" charset="0"/>
@@ -4001,7 +4017,7 @@
         <p:spPr>
           <a:xfrm>
             <a:off x="449178" y="3408205"/>
-            <a:ext cx="7167443" cy="388696"/>
+            <a:ext cx="8040066" cy="388696"/>
           </a:xfrm>
           <a:prstGeom prst="rect">
             <a:avLst/>
@@ -4013,7 +4029,7 @@
           </a:bodyPr>
           <a:lstStyle/>
           <a:p>
-            <a:pPr lvl="0">
+            <a:pPr xmlns:a="http://schemas.openxmlformats.org/drawingml/2006/main" lvl="0">
               <a:lnSpc>
                 <a:spcPct val="107000"/>
               </a:lnSpc>
@@ -4021,24 +4037,24 @@
                 <a:spcPts val="800"/>
               </a:spcAft>
             </a:pPr>
-            <a:r>
-              <a:rPr lang="fr-FR" dirty="0" err="1">
+            <a:r xmlns:a="http://schemas.openxmlformats.org/drawingml/2006/main">
+              <a:rPr lang="en" dirty="0" err="1" smtClean="0">
                 <a:latin typeface="Segoe UI" panose="020B0502040204020203" pitchFamily="34" charset="0"/>
                 <a:ea typeface="Calibri" panose="020F0502020204030204" pitchFamily="34" charset="0"/>
                 <a:cs typeface="Times New Roman" panose="02020603050405020304" pitchFamily="18" charset="0"/>
               </a:rPr>
-              <a:t>Navigate</a:t>
-            </a:r>
-            <a:r>
-              <a:rPr lang="fr-FR" dirty="0">
+              <a:t>Navigate to</a:t>
+            </a:r>
+            <a:r xmlns:a="http://schemas.openxmlformats.org/drawingml/2006/main">
+              <a:rPr lang="en" dirty="0" smtClean="0">
                 <a:latin typeface="Segoe UI" panose="020B0502040204020203" pitchFamily="34" charset="0"/>
                 <a:ea typeface="Calibri" panose="020F0502020204030204" pitchFamily="34" charset="0"/>
                 <a:cs typeface="Times New Roman" panose="02020603050405020304" pitchFamily="18" charset="0"/>
               </a:rPr>
-              <a:t> to </a:t>
-            </a:r>
-            <a:r>
-              <a:rPr lang="fr-FR" u="sng" dirty="0">
+              <a:t> </a:t>
+            </a:r>
+            <a:r xmlns:a="http://schemas.openxmlformats.org/drawingml/2006/main" xmlns:r="http://schemas.openxmlformats.org/officeDocument/2006/relationships">
+              <a:rPr lang="en" u="sng" dirty="0" smtClean="0">
                 <a:solidFill>
                   <a:srgbClr val="0563C1"/>
                 </a:solidFill>
@@ -4047,10 +4063,10 @@
                 <a:cs typeface="Times New Roman" panose="02020603050405020304" pitchFamily="18" charset="0"/>
                 <a:hlinkClick r:id="rId4"/>
               </a:rPr>
-              <a:t>https://</a:t>
-            </a:r>
-            <a:r>
-              <a:rPr lang="fr-FR" u="sng" dirty="0" smtClean="0">
+              <a:t>https://www.investing.com/equities</a:t>
+            </a:r>
+            <a:r xmlns:a="http://schemas.openxmlformats.org/drawingml/2006/main" xmlns:r="http://schemas.openxmlformats.org/officeDocument/2006/relationships">
+              <a:rPr lang="en" u="sng" dirty="0">
                 <a:solidFill>
                   <a:srgbClr val="0563C1"/>
                 </a:solidFill>
@@ -4059,10 +4075,22 @@
                 <a:cs typeface="Times New Roman" panose="02020603050405020304" pitchFamily="18" charset="0"/>
                 <a:hlinkClick r:id="rId4"/>
               </a:rPr>
-              <a:t>www.investing.com/equities</a:t>
-            </a:r>
-            <a:r>
-              <a:rPr lang="fr-FR" u="sng" dirty="0" smtClean="0">
+              <a:t>​</a:t>
+            </a:r>
+            <a:r xmlns:a="http://schemas.openxmlformats.org/drawingml/2006/main" xmlns:r="http://schemas.openxmlformats.org/officeDocument/2006/relationships">
+              <a:rPr lang="en" u="sng" dirty="0" smtClean="0">
+                <a:solidFill>
+                  <a:srgbClr val="0563C1"/>
+                </a:solidFill>
+                <a:latin typeface="Segoe UI" panose="020B0502040204020203" pitchFamily="34" charset="0"/>
+                <a:ea typeface="Calibri" panose="020F0502020204030204" pitchFamily="34" charset="0"/>
+                <a:cs typeface="Times New Roman" panose="02020603050405020304" pitchFamily="18" charset="0"/>
+                <a:hlinkClick r:id="rId4"/>
+              </a:rPr>
+              <a:t>​</a:t>
+            </a:r>
+            <a:r xmlns:a="http://schemas.openxmlformats.org/drawingml/2006/main">
+              <a:rPr lang="en" u="sng" dirty="0" smtClean="0">
                 <a:solidFill>
                   <a:srgbClr val="0563C1"/>
                 </a:solidFill>
@@ -4072,31 +4100,15 @@
               </a:rPr>
               <a:t> </a:t>
             </a:r>
-            <a:r>
-              <a:rPr lang="fr-FR" dirty="0" smtClean="0">
+            <a:r xmlns:a="http://schemas.openxmlformats.org/drawingml/2006/main">
+              <a:rPr lang="en" dirty="0" smtClean="0">
                 <a:latin typeface="Segoe UI" panose="020B0502040204020203" pitchFamily="34" charset="0"/>
                 <a:ea typeface="Calibri" panose="020F0502020204030204" pitchFamily="34" charset="0"/>
                 <a:cs typeface="Times New Roman" panose="02020603050405020304" pitchFamily="18" charset="0"/>
               </a:rPr>
-              <a:t>and </a:t>
-            </a:r>
-            <a:r>
-              <a:rPr lang="fr-FR" dirty="0" err="1">
-                <a:latin typeface="Segoe UI" panose="020B0502040204020203" pitchFamily="34" charset="0"/>
-                <a:ea typeface="Calibri" panose="020F0502020204030204" pitchFamily="34" charset="0"/>
-                <a:cs typeface="Times New Roman" panose="02020603050405020304" pitchFamily="18" charset="0"/>
-              </a:rPr>
-              <a:t>take</a:t>
-            </a:r>
-            <a:r>
-              <a:rPr lang="fr-FR" dirty="0">
-                <a:latin typeface="Segoe UI" panose="020B0502040204020203" pitchFamily="34" charset="0"/>
-                <a:ea typeface="Calibri" panose="020F0502020204030204" pitchFamily="34" charset="0"/>
-                <a:cs typeface="Times New Roman" panose="02020603050405020304" pitchFamily="18" charset="0"/>
-              </a:rPr>
-              <a:t> a look</a:t>
-            </a:r>
-            <a:endParaRPr lang="en-US" sz="1400" dirty="0">
+              <a:t>and observe the data</a:t>
+            </a:r>
+            <a:endParaRPr xmlns:a="http://schemas.openxmlformats.org/drawingml/2006/main" lang="en-US" sz="1400" dirty="0">
               <a:effectLst/>
               <a:latin typeface="Calibri" panose="020F0502020204030204" pitchFamily="34" charset="0"/>
               <a:ea typeface="Calibri" panose="020F0502020204030204" pitchFamily="34" charset="0"/>
@@ -4185,7 +4197,7 @@
         <p:spPr>
           <a:xfrm>
             <a:off x="449178" y="216445"/>
-            <a:ext cx="2938625" cy="388696"/>
+            <a:ext cx="3347391" cy="366895"/>
           </a:xfrm>
           <a:prstGeom prst="rect">
             <a:avLst/>
@@ -4197,7 +4209,7 @@
           </a:bodyPr>
           <a:lstStyle/>
           <a:p>
-            <a:pPr>
+            <a:pPr xmlns:a="http://schemas.openxmlformats.org/drawingml/2006/main">
               <a:lnSpc>
                 <a:spcPct val="107000"/>
               </a:lnSpc>
@@ -4208,15 +4220,15 @@
                 <a:spcPts val="0"/>
               </a:spcAft>
             </a:pPr>
-            <a:r>
-              <a:rPr lang="en-US" b="1" kern="0" dirty="0" smtClean="0">
+            <a:r xmlns:a="http://schemas.openxmlformats.org/drawingml/2006/main">
+              <a:rPr lang="en" b="1" kern="0" dirty="0" smtClean="0">
                 <a:latin typeface="Segoe UI" panose="020B0502040204020203" pitchFamily="34" charset="0"/>
                 <a:ea typeface="Times New Roman" panose="02020603050405020304" pitchFamily="18" charset="0"/>
                 <a:cs typeface="Times New Roman" panose="02020603050405020304" pitchFamily="18" charset="0"/>
               </a:rPr>
-              <a:t>Importing data from web</a:t>
-            </a:r>
-            <a:endParaRPr lang="en-US" b="1" kern="0" dirty="0">
+              <a:t>Import data from the web</a:t>
+            </a:r>
+            <a:endParaRPr xmlns:a="http://schemas.openxmlformats.org/drawingml/2006/main" lang="en-US" b="1" kern="0" dirty="0">
               <a:latin typeface="Segoe UI" panose="020B0502040204020203" pitchFamily="34" charset="0"/>
               <a:ea typeface="Times New Roman" panose="02020603050405020304" pitchFamily="18" charset="0"/>
               <a:cs typeface="Times New Roman" panose="02020603050405020304" pitchFamily="18" charset="0"/>
@@ -4299,12 +4311,12 @@
           <a:bodyPr rtlCol="0" anchor="ctr"/>
           <a:lstStyle/>
           <a:p>
-            <a:pPr algn="ctr"/>
-            <a:r>
-              <a:rPr lang="fr-FR" b="1" dirty="0" smtClean="0"/>
+            <a:pPr xmlns:a="http://schemas.openxmlformats.org/drawingml/2006/main" algn="ctr"/>
+            <a:r xmlns:a="http://schemas.openxmlformats.org/drawingml/2006/main">
+              <a:rPr lang="en" b="1" dirty="0" smtClean="0"/>
               <a:t>1</a:t>
             </a:r>
-            <a:endParaRPr lang="en-US" b="1" dirty="0"/>
+            <a:endParaRPr xmlns:a="http://schemas.openxmlformats.org/drawingml/2006/main" lang="en-US" b="1" dirty="0"/>
           </a:p>
         </p:txBody>
       </p:sp>
@@ -4349,12 +4361,12 @@
           <a:bodyPr rtlCol="0" anchor="ctr"/>
           <a:lstStyle/>
           <a:p>
-            <a:pPr algn="ctr"/>
-            <a:r>
-              <a:rPr lang="fr-FR" b="1" dirty="0" smtClean="0"/>
+            <a:pPr xmlns:a="http://schemas.openxmlformats.org/drawingml/2006/main" algn="ctr"/>
+            <a:r xmlns:a="http://schemas.openxmlformats.org/drawingml/2006/main">
+              <a:rPr lang="en" b="1" dirty="0" smtClean="0"/>
               <a:t>2</a:t>
             </a:r>
-            <a:endParaRPr lang="en-US" b="1" dirty="0"/>
+            <a:endParaRPr xmlns:a="http://schemas.openxmlformats.org/drawingml/2006/main" lang="en-US" b="1" dirty="0"/>
           </a:p>
         </p:txBody>
       </p:sp>
@@ -4367,7 +4379,7 @@
         <p:spPr>
           <a:xfrm>
             <a:off x="501693" y="569665"/>
-            <a:ext cx="2067233" cy="388696"/>
+            <a:ext cx="3863750" cy="388696"/>
           </a:xfrm>
           <a:prstGeom prst="rect">
             <a:avLst/>
@@ -4379,7 +4391,7 @@
           </a:bodyPr>
           <a:lstStyle/>
           <a:p>
-            <a:pPr lvl="0">
+            <a:pPr xmlns:a="http://schemas.openxmlformats.org/drawingml/2006/main" lvl="0">
               <a:lnSpc>
                 <a:spcPct val="107000"/>
               </a:lnSpc>
@@ -4387,15 +4399,15 @@
                 <a:spcPts val="800"/>
               </a:spcAft>
             </a:pPr>
-            <a:r>
-              <a:rPr lang="en-US" dirty="0" smtClean="0">
+            <a:r xmlns:a="http://schemas.openxmlformats.org/drawingml/2006/main">
+              <a:rPr lang="en" dirty="0" smtClean="0">
                 <a:latin typeface="Segoe UI" panose="020B0502040204020203" pitchFamily="34" charset="0"/>
                 <a:ea typeface="Calibri" panose="020F0502020204030204" pitchFamily="34" charset="0"/>
                 <a:cs typeface="Times New Roman" panose="02020603050405020304" pitchFamily="18" charset="0"/>
               </a:rPr>
-              <a:t>Select web source</a:t>
-            </a:r>
-            <a:endParaRPr lang="en-US" sz="1400" dirty="0">
+              <a:t>Select a data source</a:t>
+            </a:r>
+            <a:endParaRPr xmlns:a="http://schemas.openxmlformats.org/drawingml/2006/main" lang="fr-FR" sz="1400" dirty="0">
               <a:effectLst/>
               <a:latin typeface="Calibri" panose="020F0502020204030204" pitchFamily="34" charset="0"/>
               <a:ea typeface="Calibri" panose="020F0502020204030204" pitchFamily="34" charset="0"/>
@@ -4434,204 +4446,6 @@
           <a:chExt cx="0" cy="0"/>
         </a:xfrm>
       </p:grpSpPr>
-      <p:sp>
-        <p:nvSpPr>
-          <p:cNvPr id="3" name="Rectangle 2"/>
-          <p:cNvSpPr/>
-          <p:nvPr/>
-        </p:nvSpPr>
-        <p:spPr>
-          <a:xfrm>
-            <a:off x="449178" y="216445"/>
-            <a:ext cx="2938625" cy="388696"/>
-          </a:xfrm>
-          <a:prstGeom prst="rect">
-            <a:avLst/>
-          </a:prstGeom>
-        </p:spPr>
-        <p:txBody>
-          <a:bodyPr wrap="none">
-            <a:spAutoFit/>
-          </a:bodyPr>
-          <a:lstStyle/>
-          <a:p>
-            <a:pPr>
-              <a:lnSpc>
-                <a:spcPct val="107000"/>
-              </a:lnSpc>
-              <a:spcBef>
-                <a:spcPts val="1200"/>
-              </a:spcBef>
-              <a:spcAft>
-                <a:spcPts val="0"/>
-              </a:spcAft>
-            </a:pPr>
-            <a:r>
-              <a:rPr lang="en-US" b="1" kern="0" dirty="0" smtClean="0">
-                <a:latin typeface="Segoe UI" panose="020B0502040204020203" pitchFamily="34" charset="0"/>
-                <a:ea typeface="Times New Roman" panose="02020603050405020304" pitchFamily="18" charset="0"/>
-                <a:cs typeface="Times New Roman" panose="02020603050405020304" pitchFamily="18" charset="0"/>
-              </a:rPr>
-              <a:t>Importing data from web</a:t>
-            </a:r>
-            <a:endParaRPr lang="en-US" b="1" kern="0" dirty="0">
-              <a:latin typeface="Segoe UI" panose="020B0502040204020203" pitchFamily="34" charset="0"/>
-              <a:ea typeface="Times New Roman" panose="02020603050405020304" pitchFamily="18" charset="0"/>
-              <a:cs typeface="Times New Roman" panose="02020603050405020304" pitchFamily="18" charset="0"/>
-            </a:endParaRPr>
-          </a:p>
-        </p:txBody>
-      </p:sp>
-      <p:sp>
-        <p:nvSpPr>
-          <p:cNvPr id="2" name="Rectangle 1"/>
-          <p:cNvSpPr/>
-          <p:nvPr/>
-        </p:nvSpPr>
-        <p:spPr>
-          <a:xfrm>
-            <a:off x="449178" y="644652"/>
-            <a:ext cx="10989740" cy="373692"/>
-          </a:xfrm>
-          <a:prstGeom prst="rect">
-            <a:avLst/>
-          </a:prstGeom>
-        </p:spPr>
-        <p:txBody>
-          <a:bodyPr wrap="none">
-            <a:spAutoFit/>
-          </a:bodyPr>
-          <a:lstStyle/>
-          <a:p>
-            <a:pPr lvl="0">
-              <a:lnSpc>
-                <a:spcPct val="107000"/>
-              </a:lnSpc>
-              <a:spcAft>
-                <a:spcPts val="800"/>
-              </a:spcAft>
-            </a:pPr>
-            <a:r>
-              <a:rPr lang="en-US" dirty="0" smtClean="0">
-                <a:latin typeface="Segoe UI" panose="020B0502040204020203" pitchFamily="34" charset="0"/>
-                <a:ea typeface="Calibri" panose="020F0502020204030204" pitchFamily="34" charset="0"/>
-                <a:cs typeface="Times New Roman" panose="02020603050405020304" pitchFamily="18" charset="0"/>
-              </a:rPr>
-              <a:t>In the URL field, enter the link, then click next and choose </a:t>
-            </a:r>
-            <a:r>
-              <a:rPr lang="en-US" b="1" dirty="0" smtClean="0">
-                <a:latin typeface="Segoe UI" panose="020B0502040204020203" pitchFamily="34" charset="0"/>
-                <a:ea typeface="Calibri" panose="020F0502020204030204" pitchFamily="34" charset="0"/>
-                <a:cs typeface="Times New Roman" panose="02020603050405020304" pitchFamily="18" charset="0"/>
-              </a:rPr>
-              <a:t>Anonymous</a:t>
-            </a:r>
-            <a:r>
-              <a:rPr lang="en-US" dirty="0" smtClean="0">
-                <a:latin typeface="Segoe UI" panose="020B0502040204020203" pitchFamily="34" charset="0"/>
-                <a:ea typeface="Calibri" panose="020F0502020204030204" pitchFamily="34" charset="0"/>
-                <a:cs typeface="Times New Roman" panose="02020603050405020304" pitchFamily="18" charset="0"/>
-              </a:rPr>
-              <a:t> authentication, then click </a:t>
-            </a:r>
-            <a:r>
-              <a:rPr lang="en-US" b="1" dirty="0" smtClean="0">
-                <a:latin typeface="Segoe UI" panose="020B0502040204020203" pitchFamily="34" charset="0"/>
-                <a:ea typeface="Calibri" panose="020F0502020204030204" pitchFamily="34" charset="0"/>
-                <a:cs typeface="Times New Roman" panose="02020603050405020304" pitchFamily="18" charset="0"/>
-              </a:rPr>
-              <a:t>Connect</a:t>
-            </a:r>
-            <a:endParaRPr lang="en-US" sz="1400" b="1" dirty="0">
-              <a:effectLst/>
-              <a:latin typeface="Calibri" panose="020F0502020204030204" pitchFamily="34" charset="0"/>
-              <a:ea typeface="Calibri" panose="020F0502020204030204" pitchFamily="34" charset="0"/>
-              <a:cs typeface="Times New Roman" panose="02020603050405020304" pitchFamily="18" charset="0"/>
-            </a:endParaRPr>
-          </a:p>
-        </p:txBody>
-      </p:sp>
-      <p:sp>
-        <p:nvSpPr>
-          <p:cNvPr id="14" name="Rectangle 13"/>
-          <p:cNvSpPr/>
-          <p:nvPr/>
-        </p:nvSpPr>
-        <p:spPr>
-          <a:xfrm>
-            <a:off x="8748889" y="5994400"/>
-            <a:ext cx="581378" cy="265289"/>
-          </a:xfrm>
-          <a:prstGeom prst="rect">
-            <a:avLst/>
-          </a:prstGeom>
-          <a:noFill/>
-          <a:ln w="22225">
-            <a:solidFill>
-              <a:srgbClr val="FF0000"/>
-            </a:solidFill>
-          </a:ln>
-        </p:spPr>
-        <p:style>
-          <a:lnRef idx="2">
-            <a:schemeClr val="accent1">
-              <a:shade val="50000"/>
-            </a:schemeClr>
-          </a:lnRef>
-          <a:fillRef idx="1">
-            <a:schemeClr val="accent1"/>
-          </a:fillRef>
-          <a:effectRef idx="0">
-            <a:schemeClr val="accent1"/>
-          </a:effectRef>
-          <a:fontRef idx="minor">
-            <a:schemeClr val="lt1"/>
-          </a:fontRef>
-        </p:style>
-        <p:txBody>
-          <a:bodyPr rtlCol="0" anchor="ctr"/>
-          <a:lstStyle/>
-          <a:p>
-            <a:pPr algn="ctr"/>
-            <a:endParaRPr lang="en-US"/>
-          </a:p>
-        </p:txBody>
-      </p:sp>
-      <p:pic>
-        <p:nvPicPr>
-          <p:cNvPr id="4" name="Picture 3"/>
-          <p:cNvPicPr>
-            <a:picLocks noChangeAspect="1"/>
-          </p:cNvPicPr>
-          <p:nvPr/>
-        </p:nvPicPr>
-        <p:blipFill>
-          <a:blip r:embed="rId3"/>
-          <a:stretch>
-            <a:fillRect/>
-          </a:stretch>
-        </p:blipFill>
-        <p:spPr>
-          <a:xfrm>
-            <a:off x="557807" y="1234018"/>
-            <a:ext cx="4018072" cy="1239434"/>
-          </a:xfrm>
-          <a:prstGeom prst="rect">
-            <a:avLst/>
-          </a:prstGeom>
-          <a:ln>
-            <a:noFill/>
-          </a:ln>
-          <a:effectLst>
-            <a:outerShdw blurRad="292100" dist="139700" dir="2700000" algn="tl" rotWithShape="0">
-              <a:srgbClr val="333333">
-                <a:alpha val="65000"/>
-              </a:srgbClr>
-            </a:outerShdw>
-          </a:effectLst>
-        </p:spPr>
-      </p:pic>
       <p:pic>
         <p:nvPicPr>
           <p:cNvPr id="5" name="Picture 4"/>
@@ -4641,7 +4455,7 @@
           <p:nvPr/>
         </p:nvPicPr>
         <p:blipFill>
-          <a:blip r:embed="rId4"/>
+          <a:blip r:embed="rId3"/>
           <a:stretch>
             <a:fillRect/>
           </a:stretch>
@@ -4668,14 +4482,14 @@
       </p:pic>
       <p:sp>
         <p:nvSpPr>
-          <p:cNvPr id="9" name="Rectangle 8"/>
+          <p:cNvPr id="3" name="Rectangle 2"/>
           <p:cNvSpPr/>
           <p:nvPr/>
         </p:nvSpPr>
         <p:spPr>
           <a:xfrm>
-            <a:off x="488689" y="2663248"/>
-            <a:ext cx="6191375" cy="375552"/>
+            <a:off x="449178" y="216445"/>
+            <a:ext cx="3347391" cy="366895"/>
           </a:xfrm>
           <a:prstGeom prst="rect">
             <a:avLst/>
@@ -4687,31 +4501,643 @@
           </a:bodyPr>
           <a:lstStyle/>
           <a:p>
-            <a:pPr>
+            <a:pPr xmlns:a="http://schemas.openxmlformats.org/drawingml/2006/main">
               <a:lnSpc>
                 <a:spcPct val="107000"/>
               </a:lnSpc>
+              <a:spcBef>
+                <a:spcPts val="1200"/>
+              </a:spcBef>
               <a:spcAft>
-                <a:spcPts val="800"/>
+                <a:spcPts val="0"/>
               </a:spcAft>
             </a:pPr>
-            <a:r>
-              <a:rPr lang="en-US" dirty="0" smtClean="0"/>
-              <a:t>Try to navigate between the two tabs </a:t>
-            </a:r>
-            <a:r>
-              <a:rPr lang="en-US" b="1" dirty="0" smtClean="0"/>
+            <a:r xmlns:a="http://schemas.openxmlformats.org/drawingml/2006/main">
+              <a:rPr lang="en" b="1" kern="0" dirty="0" smtClean="0">
+                <a:latin typeface="Segoe UI" panose="020B0502040204020203" pitchFamily="34" charset="0"/>
+                <a:ea typeface="Times New Roman" panose="02020603050405020304" pitchFamily="18" charset="0"/>
+                <a:cs typeface="Times New Roman" panose="02020603050405020304" pitchFamily="18" charset="0"/>
+              </a:rPr>
+              <a:t>Import data from the web</a:t>
+            </a:r>
+            <a:endParaRPr xmlns:a="http://schemas.openxmlformats.org/drawingml/2006/main" lang="en-US" b="1" kern="0" dirty="0">
+              <a:latin typeface="Segoe UI" panose="020B0502040204020203" pitchFamily="34" charset="0"/>
+              <a:ea typeface="Times New Roman" panose="02020603050405020304" pitchFamily="18" charset="0"/>
+              <a:cs typeface="Times New Roman" panose="02020603050405020304" pitchFamily="18" charset="0"/>
+            </a:endParaRPr>
+          </a:p>
+        </p:txBody>
+      </p:sp>
+      <p:sp>
+        <p:nvSpPr>
+          <p:cNvPr id="14" name="Rectangle 13"/>
+          <p:cNvSpPr/>
+          <p:nvPr/>
+        </p:nvSpPr>
+        <p:spPr>
+          <a:xfrm>
+            <a:off x="2218266" y="3437467"/>
+            <a:ext cx="908755" cy="152399"/>
+          </a:xfrm>
+          <a:prstGeom prst="rect">
+            <a:avLst/>
+          </a:prstGeom>
+          <a:solidFill>
+            <a:srgbClr val="FF0000">
+              <a:alpha val="11000"/>
+            </a:srgbClr>
+          </a:solidFill>
+          <a:ln w="22225">
+            <a:noFill/>
+          </a:ln>
+        </p:spPr>
+        <p:style>
+          <a:lnRef idx="2">
+            <a:schemeClr val="accent1">
+              <a:shade val="50000"/>
+            </a:schemeClr>
+          </a:lnRef>
+          <a:fillRef idx="1">
+            <a:schemeClr val="accent1"/>
+          </a:fillRef>
+          <a:effectRef idx="0">
+            <a:schemeClr val="accent1"/>
+          </a:effectRef>
+          <a:fontRef idx="minor">
+            <a:schemeClr val="lt1"/>
+          </a:fontRef>
+        </p:style>
+        <p:txBody>
+          <a:bodyPr rtlCol="0" anchor="ctr"/>
+          <a:lstStyle/>
+          <a:p>
+            <a:pPr algn="ctr"/>
+            <a:endParaRPr lang="en-US"/>
+          </a:p>
+        </p:txBody>
+      </p:sp>
+      <p:pic>
+        <p:nvPicPr>
+          <p:cNvPr id="4" name="Picture 3"/>
+          <p:cNvPicPr>
+            <a:picLocks noChangeAspect="1"/>
+          </p:cNvPicPr>
+          <p:nvPr/>
+        </p:nvPicPr>
+        <p:blipFill>
+          <a:blip r:embed="rId4"/>
+          <a:stretch>
+            <a:fillRect/>
+          </a:stretch>
+        </p:blipFill>
+        <p:spPr>
+          <a:xfrm>
+            <a:off x="557807" y="1375530"/>
+            <a:ext cx="4018072" cy="1239434"/>
+          </a:xfrm>
+          <a:prstGeom prst="rect">
+            <a:avLst/>
+          </a:prstGeom>
+          <a:ln>
+            <a:noFill/>
+          </a:ln>
+          <a:effectLst>
+            <a:outerShdw blurRad="292100" dist="139700" dir="2700000" algn="tl" rotWithShape="0">
+              <a:srgbClr val="333333">
+                <a:alpha val="65000"/>
+              </a:srgbClr>
+            </a:outerShdw>
+          </a:effectLst>
+        </p:spPr>
+      </p:pic>
+      <p:sp>
+        <p:nvSpPr>
+          <p:cNvPr id="6" name="Rectangle 1"/>
+          <p:cNvSpPr>
+            <a:spLocks noChangeArrowheads="1"/>
+          </p:cNvSpPr>
+          <p:nvPr/>
+        </p:nvSpPr>
+        <p:spPr bwMode="auto">
+          <a:xfrm>
+            <a:off x="449178" y="632631"/>
+            <a:ext cx="10679527" cy="646331"/>
+          </a:xfrm>
+          <a:prstGeom prst="rect">
+            <a:avLst/>
+          </a:prstGeom>
+          <a:noFill/>
+          <a:ln>
+            <a:noFill/>
+          </a:ln>
+          <a:effectLst/>
+          <a:extLst>
+            <a:ext uri="{909E8E84-426E-40DD-AFC4-6F175D3DCCD1}">
+              <a14:hiddenFill xmlns:a14="http://schemas.microsoft.com/office/drawing/2010/main">
+                <a:solidFill>
+                  <a:schemeClr val="accent1"/>
+                </a:solidFill>
+              </a14:hiddenFill>
+            </a:ext>
+            <a:ext uri="{91240B29-F687-4F45-9708-019B960494DF}">
+              <a14:hiddenLine xmlns:a14="http://schemas.microsoft.com/office/drawing/2010/main" w="9525">
+                <a:solidFill>
+                  <a:schemeClr val="tx1"/>
+                </a:solidFill>
+                <a:miter lim="800000"/>
+                <a:headEnd/>
+                <a:tailEnd/>
+              </a14:hiddenLine>
+            </a:ext>
+            <a:ext uri="{AF507438-7753-43E0-B8FC-AC1667EBCBE1}">
+              <a14:hiddenEffects xmlns:a14="http://schemas.microsoft.com/office/drawing/2010/main">
+                <a:effectLst>
+                  <a:outerShdw dist="35921" dir="2700000" algn="ctr" rotWithShape="0">
+                    <a:schemeClr val="bg2"/>
+                  </a:outerShdw>
+                </a:effectLst>
+              </a14:hiddenEffects>
+            </a:ext>
+          </a:extLst>
+        </p:spPr>
+        <p:txBody>
+          <a:bodyPr vert="horz" wrap="none" lIns="91440" tIns="45720" rIns="91440" bIns="45720" numCol="1" anchor="ctr" anchorCtr="0" compatLnSpc="1">
+            <a:prstTxWarp prst="textNoShape">
+              <a:avLst/>
+            </a:prstTxWarp>
+            <a:spAutoFit/>
+          </a:bodyPr>
+          <a:lstStyle/>
+          <a:p>
+            <a:pPr xmlns:a="http://schemas.openxmlformats.org/drawingml/2006/main" marL="0" marR="0" lvl="0" indent="0" algn="l" defTabSz="914400" rtl="0" eaLnBrk="0" fontAlgn="base" latinLnBrk="0" hangingPunct="0">
+              <a:lnSpc>
+                <a:spcPct val="100000"/>
+              </a:lnSpc>
+              <a:spcBef>
+                <a:spcPct val="0"/>
+              </a:spcBef>
+              <a:spcAft>
+                <a:spcPct val="0"/>
+              </a:spcAft>
+              <a:buClrTx/>
+              <a:buSzTx/>
+              <a:buFontTx/>
+              <a:buNone/>
+              <a:tabLst/>
+            </a:pPr>
+            <a:r xmlns:a="http://schemas.openxmlformats.org/drawingml/2006/main">
+              <a:rPr kumimoji="0" lang="en" altLang="en-US" sz="1800" b="0" i="0" u="none" strike="noStrike" cap="none" normalizeH="0" baseline="0" dirty="0" err="1" smtClean="0">
+                <a:ln>
+                  <a:noFill/>
+                </a:ln>
+                <a:solidFill>
+                  <a:schemeClr val="tx1"/>
+                </a:solidFill>
+                <a:effectLst/>
+                <a:latin typeface="Arial" panose="020B0604020202020204" pitchFamily="34" charset="0"/>
+              </a:rPr>
+              <a:t>In </a:t>
+            </a:r>
+            <a:r xmlns:a="http://schemas.openxmlformats.org/drawingml/2006/main">
+              <a:rPr kumimoji="0" lang="en" altLang="en-US" sz="1800" b="0" i="0" u="none" strike="noStrike" cap="none" normalizeH="0" baseline="0" dirty="0" smtClean="0">
+                <a:ln>
+                  <a:noFill/>
+                </a:ln>
+                <a:solidFill>
+                  <a:schemeClr val="tx1"/>
+                </a:solidFill>
+                <a:effectLst/>
+                <a:latin typeface="Arial" panose="020B0604020202020204" pitchFamily="34" charset="0"/>
+              </a:rPr>
+              <a:t>the URL field, </a:t>
+            </a:r>
+            <a:r xmlns:a="http://schemas.openxmlformats.org/drawingml/2006/main">
+              <a:rPr kumimoji="0" lang="en" altLang="en-US" sz="1800" b="0" i="0" u="none" strike="noStrike" cap="none" normalizeH="0" baseline="0" dirty="0" err="1" smtClean="0">
+                <a:ln>
+                  <a:noFill/>
+                </a:ln>
+                <a:solidFill>
+                  <a:schemeClr val="tx1"/>
+                </a:solidFill>
+                <a:effectLst/>
+                <a:latin typeface="Arial" panose="020B0604020202020204" pitchFamily="34" charset="0"/>
+              </a:rPr>
+              <a:t>enter </a:t>
+            </a:r>
+            <a:r xmlns:a="http://schemas.openxmlformats.org/drawingml/2006/main">
+              <a:rPr kumimoji="0" lang="en" altLang="en-US" sz="1800" b="0" i="0" u="none" strike="noStrike" cap="none" normalizeH="0" baseline="0" dirty="0" smtClean="0">
+                <a:ln>
+                  <a:noFill/>
+                </a:ln>
+                <a:solidFill>
+                  <a:schemeClr val="tx1"/>
+                </a:solidFill>
+                <a:effectLst/>
+                <a:latin typeface="Arial" panose="020B0604020202020204" pitchFamily="34" charset="0"/>
+              </a:rPr>
+              <a:t>the link, </a:t>
+            </a:r>
+            <a:r xmlns:a="http://schemas.openxmlformats.org/drawingml/2006/main">
+              <a:rPr kumimoji="0" lang="en" altLang="en-US" sz="1800" b="0" i="0" u="none" strike="noStrike" cap="none" normalizeH="0" baseline="0" dirty="0" err="1" smtClean="0">
+                <a:ln>
+                  <a:noFill/>
+                </a:ln>
+                <a:solidFill>
+                  <a:schemeClr val="tx1"/>
+                </a:solidFill>
+                <a:effectLst/>
+                <a:latin typeface="Arial" panose="020B0604020202020204" pitchFamily="34" charset="0"/>
+              </a:rPr>
+              <a:t>then</a:t>
+            </a:r>
+            <a:r xmlns:a="http://schemas.openxmlformats.org/drawingml/2006/main">
+              <a:rPr kumimoji="0" lang="en" altLang="en-US" sz="1800" b="0" i="0" u="none" strike="noStrike" cap="none" normalizeH="0" baseline="0" dirty="0" smtClean="0">
+                <a:ln>
+                  <a:noFill/>
+                </a:ln>
+                <a:solidFill>
+                  <a:schemeClr val="tx1"/>
+                </a:solidFill>
+                <a:effectLst/>
+                <a:latin typeface="Arial" panose="020B0604020202020204" pitchFamily="34" charset="0"/>
+              </a:rPr>
+              <a:t> </a:t>
+            </a:r>
+            <a:r xmlns:a="http://schemas.openxmlformats.org/drawingml/2006/main">
+              <a:rPr kumimoji="0" lang="en" altLang="en-US" sz="1800" b="0" i="0" u="none" strike="noStrike" cap="none" normalizeH="0" baseline="0" dirty="0" err="1" smtClean="0">
+                <a:ln>
+                  <a:noFill/>
+                </a:ln>
+                <a:solidFill>
+                  <a:schemeClr val="tx1"/>
+                </a:solidFill>
+                <a:effectLst/>
+                <a:latin typeface="Arial" panose="020B0604020202020204" pitchFamily="34" charset="0"/>
+              </a:rPr>
+              <a:t>click </a:t>
+            </a:r>
+            <a:r xmlns:a="http://schemas.openxmlformats.org/drawingml/2006/main">
+              <a:rPr kumimoji="0" lang="en" altLang="en-US" sz="1800" b="0" i="0" u="none" strike="noStrike" cap="none" normalizeH="0" baseline="0" dirty="0" smtClean="0">
+                <a:ln>
+                  <a:noFill/>
+                </a:ln>
+                <a:solidFill>
+                  <a:schemeClr val="tx1"/>
+                </a:solidFill>
+                <a:effectLst/>
+                <a:latin typeface="Arial" panose="020B0604020202020204" pitchFamily="34" charset="0"/>
+              </a:rPr>
+              <a:t>Next </a:t>
+            </a:r>
+            <a:r xmlns:a="http://schemas.openxmlformats.org/drawingml/2006/main">
+              <a:rPr kumimoji="0" lang="en" altLang="en-US" sz="1800" b="0" i="0" u="none" strike="noStrike" cap="none" normalizeH="0" baseline="0" dirty="0" smtClean="0">
+                <a:ln>
+                  <a:noFill/>
+                </a:ln>
+                <a:solidFill>
+                  <a:schemeClr val="tx1"/>
+                </a:solidFill>
+                <a:effectLst/>
+                <a:latin typeface="Arial" panose="020B0604020202020204" pitchFamily="34" charset="0"/>
+              </a:rPr>
+              <a:t>, </a:t>
+            </a:r>
+            <a:r xmlns:a="http://schemas.openxmlformats.org/drawingml/2006/main">
+              <a:rPr kumimoji="0" lang="en" altLang="en-US" sz="1800" b="0" i="0" u="none" strike="noStrike" cap="none" normalizeH="0" baseline="0" dirty="0" err="1" smtClean="0">
+                <a:ln>
+                  <a:noFill/>
+                </a:ln>
+                <a:solidFill>
+                  <a:schemeClr val="tx1"/>
+                </a:solidFill>
+                <a:effectLst/>
+                <a:latin typeface="Arial" panose="020B0604020202020204" pitchFamily="34" charset="0"/>
+              </a:rPr>
+              <a:t>choose</a:t>
+            </a:r>
+            <a:r xmlns:a="http://schemas.openxmlformats.org/drawingml/2006/main">
+              <a:rPr kumimoji="0" lang="en" altLang="en-US" sz="1800" b="1" i="0" u="none" strike="noStrike" cap="none" normalizeH="0" baseline="0" dirty="0" err="1" smtClean="0">
+                <a:ln>
+                  <a:noFill/>
+                </a:ln>
+                <a:solidFill>
+                  <a:schemeClr val="tx1"/>
+                </a:solidFill>
+                <a:effectLst/>
+                <a:latin typeface="Arial" panose="020B0604020202020204" pitchFamily="34" charset="0"/>
+              </a:rPr>
+              <a:t>​</a:t>
+            </a:r>
+            <a:r xmlns:a="http://schemas.openxmlformats.org/drawingml/2006/main">
+              <a:rPr kumimoji="0" lang="en" altLang="en-US" sz="1800" b="0" i="0" u="none" strike="noStrike" cap="none" normalizeH="0" baseline="0" dirty="0" smtClean="0">
+                <a:ln>
+                  <a:noFill/>
+                </a:ln>
+                <a:solidFill>
+                  <a:schemeClr val="tx1"/>
+                </a:solidFill>
+                <a:effectLst/>
+                <a:latin typeface="Arial" panose="020B0604020202020204" pitchFamily="34" charset="0"/>
+              </a:rPr>
+              <a:t> </a:t>
+            </a:r>
+            <a:r xmlns:a="http://schemas.openxmlformats.org/drawingml/2006/main">
+              <a:rPr kumimoji="0" lang="en" altLang="en-US" sz="1800" b="0" i="0" u="none" strike="noStrike" cap="none" normalizeH="0" baseline="0" dirty="0" err="1" smtClean="0">
+                <a:ln>
+                  <a:noFill/>
+                </a:ln>
+                <a:solidFill>
+                  <a:schemeClr val="tx1"/>
+                </a:solidFill>
+                <a:effectLst/>
+                <a:latin typeface="Arial" panose="020B0604020202020204" pitchFamily="34" charset="0"/>
+              </a:rPr>
+              <a:t>authentication</a:t>
+            </a:r>
+            <a:r xmlns:a="http://schemas.openxmlformats.org/drawingml/2006/main">
+              <a:rPr kumimoji="0" lang="en" altLang="en-US" sz="1800" b="0" i="0" u="none" strike="noStrike" cap="none" normalizeH="0" baseline="0" dirty="0" smtClean="0">
+                <a:ln>
+                  <a:noFill/>
+                </a:ln>
+                <a:solidFill>
+                  <a:schemeClr val="tx1"/>
+                </a:solidFill>
+                <a:effectLst/>
+                <a:latin typeface="Arial" panose="020B0604020202020204" pitchFamily="34" charset="0"/>
+              </a:rPr>
+              <a:t> </a:t>
+            </a:r>
+            <a:r xmlns:a="http://schemas.openxmlformats.org/drawingml/2006/main">
+              <a:rPr kumimoji="0" lang="en" altLang="en-US" sz="1800" b="1" i="0" u="none" strike="noStrike" cap="none" normalizeH="0" baseline="0" dirty="0" err="1" smtClean="0">
+                <a:ln>
+                  <a:noFill/>
+                </a:ln>
+                <a:solidFill>
+                  <a:schemeClr val="tx1"/>
+                </a:solidFill>
+                <a:effectLst/>
+                <a:latin typeface="Arial" panose="020B0604020202020204" pitchFamily="34" charset="0"/>
+              </a:rPr>
+              <a:t>Anonymous </a:t>
+            </a:r>
+            <a:r xmlns:a="http://schemas.openxmlformats.org/drawingml/2006/main">
+              <a:rPr kumimoji="0" lang="en" altLang="en-US" sz="1800" b="0" i="0" u="none" strike="noStrike" cap="none" normalizeH="0" baseline="0" dirty="0" smtClean="0">
+                <a:ln>
+                  <a:noFill/>
+                </a:ln>
+                <a:solidFill>
+                  <a:schemeClr val="tx1"/>
+                </a:solidFill>
+                <a:effectLst/>
+                <a:latin typeface="Arial" panose="020B0604020202020204" pitchFamily="34" charset="0"/>
+              </a:rPr>
+              <a:t>,</a:t>
+            </a:r>
+          </a:p>
+          <a:p>
+            <a:pPr xmlns:a="http://schemas.openxmlformats.org/drawingml/2006/main" marL="0" marR="0" lvl="0" indent="0" algn="l" defTabSz="914400" rtl="0" eaLnBrk="0" fontAlgn="base" latinLnBrk="0" hangingPunct="0">
+              <a:lnSpc>
+                <a:spcPct val="100000"/>
+              </a:lnSpc>
+              <a:spcBef>
+                <a:spcPct val="0"/>
+              </a:spcBef>
+              <a:spcAft>
+                <a:spcPct val="0"/>
+              </a:spcAft>
+              <a:buClrTx/>
+              <a:buSzTx/>
+              <a:buFontTx/>
+              <a:buNone/>
+              <a:tabLst/>
+            </a:pPr>
+            <a:r xmlns:a="http://schemas.openxmlformats.org/drawingml/2006/main">
+              <a:rPr kumimoji="0" lang="en" altLang="en-US" sz="1800" b="0" i="0" u="none" strike="noStrike" cap="none" normalizeH="0" baseline="0" dirty="0" smtClean="0">
+                <a:ln>
+                  <a:noFill/>
+                </a:ln>
+                <a:solidFill>
+                  <a:schemeClr val="tx1"/>
+                </a:solidFill>
+                <a:effectLst/>
+                <a:latin typeface="Arial" panose="020B0604020202020204" pitchFamily="34" charset="0"/>
+              </a:rPr>
+              <a:t> </a:t>
+            </a:r>
+            <a:r xmlns:a="http://schemas.openxmlformats.org/drawingml/2006/main">
+              <a:rPr kumimoji="0" lang="en" altLang="en-US" sz="1800" b="0" i="0" u="none" strike="noStrike" cap="none" normalizeH="0" baseline="0" dirty="0" err="1" smtClean="0">
+                <a:ln>
+                  <a:noFill/>
+                </a:ln>
+                <a:solidFill>
+                  <a:schemeClr val="tx1"/>
+                </a:solidFill>
+                <a:effectLst/>
+                <a:latin typeface="Arial" panose="020B0604020202020204" pitchFamily="34" charset="0"/>
+              </a:rPr>
+              <a:t>Then</a:t>
+            </a:r>
+            <a:r xmlns:a="http://schemas.openxmlformats.org/drawingml/2006/main">
+              <a:rPr kumimoji="0" lang="en" altLang="en-US" sz="1800" b="0" i="0" u="none" strike="noStrike" cap="none" normalizeH="0" baseline="0" dirty="0" smtClean="0">
+                <a:ln>
+                  <a:noFill/>
+                </a:ln>
+                <a:solidFill>
+                  <a:schemeClr val="tx1"/>
+                </a:solidFill>
+                <a:effectLst/>
+                <a:latin typeface="Arial" panose="020B0604020202020204" pitchFamily="34" charset="0"/>
+              </a:rPr>
+              <a:t> </a:t>
+            </a:r>
+            <a:r xmlns:a="http://schemas.openxmlformats.org/drawingml/2006/main">
+              <a:rPr kumimoji="0" lang="en" altLang="en-US" sz="1800" b="0" i="0" u="none" strike="noStrike" cap="none" normalizeH="0" baseline="0" dirty="0" err="1" smtClean="0">
+                <a:ln>
+                  <a:noFill/>
+                </a:ln>
+                <a:solidFill>
+                  <a:schemeClr val="tx1"/>
+                </a:solidFill>
+                <a:effectLst/>
+                <a:latin typeface="Arial" panose="020B0604020202020204" pitchFamily="34" charset="0"/>
+              </a:rPr>
+              <a:t>Click </a:t>
+            </a:r>
+            <a:r xmlns:a="http://schemas.openxmlformats.org/drawingml/2006/main">
+              <a:rPr lang="en" altLang="en-US" b="1" dirty="0" smtClean="0">
+                <a:latin typeface="Arial" panose="020B0604020202020204" pitchFamily="34" charset="0"/>
+              </a:rPr>
+              <a:t>OK </a:t>
+            </a:r>
+            <a:r xmlns:a="http://schemas.openxmlformats.org/drawingml/2006/main">
+              <a:rPr kumimoji="0" lang="en" altLang="en-US" sz="1800" b="0" i="0" u="none" strike="noStrike" cap="none" normalizeH="0" baseline="0" dirty="0" smtClean="0">
+                <a:ln>
+                  <a:noFill/>
+                </a:ln>
+                <a:solidFill>
+                  <a:schemeClr val="tx1"/>
+                </a:solidFill>
+                <a:effectLst/>
+                <a:latin typeface="Arial" panose="020B0604020202020204" pitchFamily="34" charset="0"/>
+              </a:rPr>
+              <a:t>.</a:t>
+            </a:r>
+            <a:r xmlns:a="http://schemas.openxmlformats.org/drawingml/2006/main">
+              <a:rPr kumimoji="0" lang="en" altLang="en-US" sz="1800" b="0" i="0" u="none" strike="noStrike" cap="none" normalizeH="0" baseline="0" dirty="0" smtClean="0">
+                <a:ln>
+                  <a:noFill/>
+                </a:ln>
+                <a:solidFill>
+                  <a:schemeClr val="tx1"/>
+                </a:solidFill>
+                <a:effectLst/>
+                <a:latin typeface="Arial" panose="020B0604020202020204" pitchFamily="34" charset="0"/>
+              </a:rPr>
+              <a:t>​</a:t>
+            </a:r>
+          </a:p>
+        </p:txBody>
+      </p:sp>
+      <p:sp>
+        <p:nvSpPr>
+          <p:cNvPr id="7" name="Rectangle 2"/>
+          <p:cNvSpPr>
+            <a:spLocks noChangeArrowheads="1"/>
+          </p:cNvSpPr>
+          <p:nvPr/>
+        </p:nvSpPr>
+        <p:spPr bwMode="auto">
+          <a:xfrm>
+            <a:off x="449178" y="2690500"/>
+            <a:ext cx="7797355" cy="369332"/>
+          </a:xfrm>
+          <a:prstGeom prst="rect">
+            <a:avLst/>
+          </a:prstGeom>
+          <a:noFill/>
+          <a:ln>
+            <a:noFill/>
+          </a:ln>
+          <a:effectLst/>
+          <a:extLst>
+            <a:ext uri="{909E8E84-426E-40DD-AFC4-6F175D3DCCD1}">
+              <a14:hiddenFill xmlns:a14="http://schemas.microsoft.com/office/drawing/2010/main">
+                <a:solidFill>
+                  <a:schemeClr val="accent1"/>
+                </a:solidFill>
+              </a14:hiddenFill>
+            </a:ext>
+            <a:ext uri="{91240B29-F687-4F45-9708-019B960494DF}">
+              <a14:hiddenLine xmlns:a14="http://schemas.microsoft.com/office/drawing/2010/main" w="9525">
+                <a:solidFill>
+                  <a:schemeClr val="tx1"/>
+                </a:solidFill>
+                <a:miter lim="800000"/>
+                <a:headEnd/>
+                <a:tailEnd/>
+              </a14:hiddenLine>
+            </a:ext>
+            <a:ext uri="{AF507438-7753-43E0-B8FC-AC1667EBCBE1}">
+              <a14:hiddenEffects xmlns:a14="http://schemas.microsoft.com/office/drawing/2010/main">
+                <a:effectLst>
+                  <a:outerShdw dist="35921" dir="2700000" algn="ctr" rotWithShape="0">
+                    <a:schemeClr val="bg2"/>
+                  </a:outerShdw>
+                </a:effectLst>
+              </a14:hiddenEffects>
+            </a:ext>
+          </a:extLst>
+        </p:spPr>
+        <p:txBody>
+          <a:bodyPr vert="horz" wrap="square" lIns="91440" tIns="45720" rIns="91440" bIns="45720" numCol="1" anchor="ctr" anchorCtr="0" compatLnSpc="1">
+            <a:prstTxWarp prst="textNoShape">
+              <a:avLst/>
+            </a:prstTxWarp>
+            <a:spAutoFit/>
+          </a:bodyPr>
+          <a:lstStyle/>
+          <a:p>
+            <a:pPr xmlns:a="http://schemas.openxmlformats.org/drawingml/2006/main" marL="0" marR="0" lvl="0" indent="0" algn="l" defTabSz="914400" rtl="0" eaLnBrk="0" fontAlgn="base" latinLnBrk="0" hangingPunct="0">
+              <a:lnSpc>
+                <a:spcPct val="100000"/>
+              </a:lnSpc>
+              <a:spcBef>
+                <a:spcPct val="0"/>
+              </a:spcBef>
+              <a:spcAft>
+                <a:spcPct val="0"/>
+              </a:spcAft>
+              <a:buClrTx/>
+              <a:buSzTx/>
+              <a:buFontTx/>
+              <a:buNone/>
+              <a:tabLst/>
+            </a:pPr>
+            <a:r xmlns:a="http://schemas.openxmlformats.org/drawingml/2006/main">
+              <a:rPr kumimoji="0" lang="en" altLang="en-US" sz="1800" b="0" i="0" u="none" strike="noStrike" cap="none" normalizeH="0" baseline="0" smtClean="0">
+                <a:ln>
+                  <a:noFill/>
+                </a:ln>
+                <a:solidFill>
+                  <a:schemeClr val="tx1"/>
+                </a:solidFill>
+                <a:effectLst/>
+                <a:latin typeface="Arial" panose="020B0604020202020204" pitchFamily="34" charset="0"/>
+              </a:rPr>
+              <a:t>Try navigating between the two tabs: </a:t>
+            </a:r>
+            <a:r xmlns:a="http://schemas.openxmlformats.org/drawingml/2006/main">
+              <a:rPr kumimoji="0" lang="en" altLang="en-US" sz="1800" b="1" i="0" u="none" strike="noStrike" cap="none" normalizeH="0" baseline="0" smtClean="0">
+                <a:ln>
+                  <a:noFill/>
+                </a:ln>
+                <a:solidFill>
+                  <a:schemeClr val="tx1"/>
+                </a:solidFill>
+                <a:effectLst/>
+                <a:latin typeface="Arial" panose="020B0604020202020204" pitchFamily="34" charset="0"/>
+              </a:rPr>
               <a:t>Table View </a:t>
             </a:r>
-            <a:r>
-              <a:rPr lang="en-US" dirty="0" smtClean="0"/>
+            <a:r xmlns:a="http://schemas.openxmlformats.org/drawingml/2006/main">
+              <a:rPr kumimoji="0" lang="en" altLang="en-US" sz="1800" b="0" i="0" u="none" strike="noStrike" cap="none" normalizeH="0" baseline="0" smtClean="0">
+                <a:ln>
+                  <a:noFill/>
+                </a:ln>
+                <a:solidFill>
+                  <a:schemeClr val="tx1"/>
+                </a:solidFill>
+                <a:effectLst/>
+                <a:latin typeface="Arial" panose="020B0604020202020204" pitchFamily="34" charset="0"/>
+              </a:rPr>
               <a:t>and </a:t>
             </a:r>
-            <a:r>
-              <a:rPr lang="en-US" b="1" dirty="0" smtClean="0"/>
-              <a:t>Web View</a:t>
-            </a:r>
-            <a:endParaRPr lang="en-US" dirty="0"/>
+            <a:r xmlns:a="http://schemas.openxmlformats.org/drawingml/2006/main">
+              <a:rPr kumimoji="0" lang="en" altLang="en-US" sz="1800" b="1" i="0" u="none" strike="noStrike" cap="none" normalizeH="0" baseline="0" smtClean="0">
+                <a:ln>
+                  <a:noFill/>
+                </a:ln>
+                <a:solidFill>
+                  <a:schemeClr val="tx1"/>
+                </a:solidFill>
+                <a:effectLst/>
+                <a:latin typeface="Arial" panose="020B0604020202020204" pitchFamily="34" charset="0"/>
+              </a:rPr>
+              <a:t>Web View </a:t>
+            </a:r>
+            <a:r xmlns:a="http://schemas.openxmlformats.org/drawingml/2006/main">
+              <a:rPr kumimoji="0" lang="en" altLang="en-US" sz="1800" b="0" i="0" u="none" strike="noStrike" cap="none" normalizeH="0" baseline="0" smtClean="0">
+                <a:ln>
+                  <a:noFill/>
+                </a:ln>
+                <a:solidFill>
+                  <a:schemeClr val="tx1"/>
+                </a:solidFill>
+                <a:effectLst/>
+                <a:latin typeface="Arial" panose="020B0604020202020204" pitchFamily="34" charset="0"/>
+              </a:rPr>
+              <a:t>.</a:t>
+            </a:r>
           </a:p>
         </p:txBody>
       </p:sp>
@@ -4753,8 +5179,8 @@
         </p:nvSpPr>
         <p:spPr>
           <a:xfrm>
-            <a:off x="449178" y="216445"/>
-            <a:ext cx="2938625" cy="388696"/>
+            <a:off x="378178" y="260379"/>
+            <a:ext cx="3347391" cy="366895"/>
           </a:xfrm>
           <a:prstGeom prst="rect">
             <a:avLst/>
@@ -4766,7 +5192,7 @@
           </a:bodyPr>
           <a:lstStyle/>
           <a:p>
-            <a:pPr>
+            <a:pPr xmlns:a="http://schemas.openxmlformats.org/drawingml/2006/main">
               <a:lnSpc>
                 <a:spcPct val="107000"/>
               </a:lnSpc>
@@ -4777,68 +5203,19 @@
                 <a:spcPts val="0"/>
               </a:spcAft>
             </a:pPr>
-            <a:r>
-              <a:rPr lang="en-US" b="1" kern="0" dirty="0" smtClean="0">
+            <a:r xmlns:a="http://schemas.openxmlformats.org/drawingml/2006/main">
+              <a:rPr lang="en" b="1" kern="0" dirty="0" smtClean="0">
                 <a:latin typeface="Segoe UI" panose="020B0502040204020203" pitchFamily="34" charset="0"/>
                 <a:ea typeface="Times New Roman" panose="02020603050405020304" pitchFamily="18" charset="0"/>
                 <a:cs typeface="Times New Roman" panose="02020603050405020304" pitchFamily="18" charset="0"/>
               </a:rPr>
-              <a:t>Importing data from web</a:t>
-            </a:r>
-            <a:endParaRPr lang="en-US" b="1" kern="0" dirty="0">
+              <a:t>Import data from the web</a:t>
+            </a:r>
+            <a:endParaRPr xmlns:a="http://schemas.openxmlformats.org/drawingml/2006/main" lang="en-US" b="1" kern="0" dirty="0">
               <a:latin typeface="Segoe UI" panose="020B0502040204020203" pitchFamily="34" charset="0"/>
               <a:ea typeface="Times New Roman" panose="02020603050405020304" pitchFamily="18" charset="0"/>
               <a:cs typeface="Times New Roman" panose="02020603050405020304" pitchFamily="18" charset="0"/>
             </a:endParaRPr>
-          </a:p>
-        </p:txBody>
-      </p:sp>
-      <p:sp>
-        <p:nvSpPr>
-          <p:cNvPr id="2" name="Rectangle 1"/>
-          <p:cNvSpPr/>
-          <p:nvPr/>
-        </p:nvSpPr>
-        <p:spPr>
-          <a:xfrm>
-            <a:off x="449178" y="644652"/>
-            <a:ext cx="6191375" cy="375552"/>
-          </a:xfrm>
-          <a:prstGeom prst="rect">
-            <a:avLst/>
-          </a:prstGeom>
-        </p:spPr>
-        <p:txBody>
-          <a:bodyPr wrap="none">
-            <a:spAutoFit/>
-          </a:bodyPr>
-          <a:lstStyle/>
-          <a:p>
-            <a:pPr>
-              <a:lnSpc>
-                <a:spcPct val="107000"/>
-              </a:lnSpc>
-              <a:spcAft>
-                <a:spcPts val="800"/>
-              </a:spcAft>
-            </a:pPr>
-            <a:r>
-              <a:rPr lang="en-US" dirty="0" smtClean="0"/>
-              <a:t>Try to navigate between the two tabs </a:t>
-            </a:r>
-            <a:r>
-              <a:rPr lang="en-US" b="1" dirty="0" smtClean="0"/>
-              <a:t>Table View </a:t>
-            </a:r>
-            <a:r>
-              <a:rPr lang="en-US" dirty="0" smtClean="0"/>
-              <a:t>and </a:t>
-            </a:r>
-            <a:r>
-              <a:rPr lang="en-US" b="1" dirty="0" smtClean="0"/>
-              <a:t>Web View</a:t>
-            </a:r>
-            <a:endParaRPr lang="en-US" dirty="0"/>
           </a:p>
         </p:txBody>
       </p:sp>
@@ -4881,6 +5258,149 @@
           </a:effectLst>
         </p:spPr>
       </p:pic>
+      <p:sp>
+        <p:nvSpPr>
+          <p:cNvPr id="4" name="Rectangle 1"/>
+          <p:cNvSpPr>
+            <a:spLocks noChangeArrowheads="1"/>
+          </p:cNvSpPr>
+          <p:nvPr/>
+        </p:nvSpPr>
+        <p:spPr bwMode="auto">
+          <a:xfrm>
+            <a:off x="378178" y="627274"/>
+            <a:ext cx="7416800" cy="369332"/>
+          </a:xfrm>
+          <a:prstGeom prst="rect">
+            <a:avLst/>
+          </a:prstGeom>
+          <a:noFill/>
+          <a:ln>
+            <a:noFill/>
+          </a:ln>
+          <a:effectLst/>
+          <a:extLst>
+            <a:ext uri="{909E8E84-426E-40DD-AFC4-6F175D3DCCD1}">
+              <a14:hiddenFill xmlns:a14="http://schemas.microsoft.com/office/drawing/2010/main">
+                <a:solidFill>
+                  <a:schemeClr val="accent1"/>
+                </a:solidFill>
+              </a14:hiddenFill>
+            </a:ext>
+            <a:ext uri="{91240B29-F687-4F45-9708-019B960494DF}">
+              <a14:hiddenLine xmlns:a14="http://schemas.microsoft.com/office/drawing/2010/main" w="9525">
+                <a:solidFill>
+                  <a:schemeClr val="tx1"/>
+                </a:solidFill>
+                <a:miter lim="800000"/>
+                <a:headEnd/>
+                <a:tailEnd/>
+              </a14:hiddenLine>
+            </a:ext>
+            <a:ext uri="{AF507438-7753-43E0-B8FC-AC1667EBCBE1}">
+              <a14:hiddenEffects xmlns:a14="http://schemas.microsoft.com/office/drawing/2010/main">
+                <a:effectLst>
+                  <a:outerShdw dist="35921" dir="2700000" algn="ctr" rotWithShape="0">
+                    <a:schemeClr val="bg2"/>
+                  </a:outerShdw>
+                </a:effectLst>
+              </a14:hiddenEffects>
+            </a:ext>
+          </a:extLst>
+        </p:spPr>
+        <p:txBody>
+          <a:bodyPr vert="horz" wrap="square" lIns="91440" tIns="45720" rIns="91440" bIns="45720" numCol="1" anchor="ctr" anchorCtr="0" compatLnSpc="1">
+            <a:prstTxWarp prst="textNoShape">
+              <a:avLst/>
+            </a:prstTxWarp>
+            <a:spAutoFit/>
+          </a:bodyPr>
+          <a:lstStyle/>
+          <a:p>
+            <a:pPr xmlns:a="http://schemas.openxmlformats.org/drawingml/2006/main" marL="0" marR="0" lvl="0" indent="0" algn="l" defTabSz="914400" rtl="0" eaLnBrk="0" fontAlgn="base" latinLnBrk="0" hangingPunct="0">
+              <a:lnSpc>
+                <a:spcPct val="100000"/>
+              </a:lnSpc>
+              <a:spcBef>
+                <a:spcPct val="0"/>
+              </a:spcBef>
+              <a:spcAft>
+                <a:spcPct val="0"/>
+              </a:spcAft>
+              <a:buClrTx/>
+              <a:buSzTx/>
+              <a:buFontTx/>
+              <a:buNone/>
+              <a:tabLst/>
+            </a:pPr>
+            <a:r xmlns:a="http://schemas.openxmlformats.org/drawingml/2006/main">
+              <a:rPr kumimoji="0" lang="en" altLang="en-US" sz="1800" b="0" i="0" u="none" strike="noStrike" cap="none" normalizeH="0" baseline="0" smtClean="0">
+                <a:ln>
+                  <a:noFill/>
+                </a:ln>
+                <a:solidFill>
+                  <a:schemeClr val="tx1"/>
+                </a:solidFill>
+                <a:effectLst/>
+                <a:latin typeface="Arial" panose="020B0604020202020204" pitchFamily="34" charset="0"/>
+              </a:rPr>
+              <a:t>Try navigating between the two tabs </a:t>
+            </a:r>
+            <a:r xmlns:a="http://schemas.openxmlformats.org/drawingml/2006/main">
+              <a:rPr kumimoji="0" lang="en" altLang="en-US" sz="1800" b="1" i="0" u="none" strike="noStrike" cap="none" normalizeH="0" baseline="0" smtClean="0">
+                <a:ln>
+                  <a:noFill/>
+                </a:ln>
+                <a:solidFill>
+                  <a:schemeClr val="tx1"/>
+                </a:solidFill>
+                <a:effectLst/>
+                <a:latin typeface="Arial" panose="020B0604020202020204" pitchFamily="34" charset="0"/>
+              </a:rPr>
+              <a:t>Table View </a:t>
+            </a:r>
+            <a:r xmlns:a="http://schemas.openxmlformats.org/drawingml/2006/main">
+              <a:rPr kumimoji="0" lang="en" altLang="en-US" sz="1800" b="0" i="0" u="none" strike="noStrike" cap="none" normalizeH="0" baseline="0" smtClean="0">
+                <a:ln>
+                  <a:noFill/>
+                </a:ln>
+                <a:solidFill>
+                  <a:schemeClr val="tx1"/>
+                </a:solidFill>
+                <a:effectLst/>
+                <a:latin typeface="Arial" panose="020B0604020202020204" pitchFamily="34" charset="0"/>
+              </a:rPr>
+              <a:t>and </a:t>
+            </a:r>
+            <a:r xmlns:a="http://schemas.openxmlformats.org/drawingml/2006/main">
+              <a:rPr kumimoji="0" lang="en" altLang="en-US" sz="1800" b="1" i="0" u="none" strike="noStrike" cap="none" normalizeH="0" baseline="0" smtClean="0">
+                <a:ln>
+                  <a:noFill/>
+                </a:ln>
+                <a:solidFill>
+                  <a:schemeClr val="tx1"/>
+                </a:solidFill>
+                <a:effectLst/>
+                <a:latin typeface="Arial" panose="020B0604020202020204" pitchFamily="34" charset="0"/>
+              </a:rPr>
+              <a:t>Web View </a:t>
+            </a:r>
+            <a:r xmlns:a="http://schemas.openxmlformats.org/drawingml/2006/main">
+              <a:rPr kumimoji="0" lang="en" altLang="en-US" sz="1800" b="0" i="0" u="none" strike="noStrike" cap="none" normalizeH="0" baseline="0" smtClean="0">
+                <a:ln>
+                  <a:noFill/>
+                </a:ln>
+                <a:solidFill>
+                  <a:schemeClr val="tx1"/>
+                </a:solidFill>
+                <a:effectLst/>
+                <a:latin typeface="Arial" panose="020B0604020202020204" pitchFamily="34" charset="0"/>
+              </a:rPr>
+              <a:t>.</a:t>
+            </a:r>
+          </a:p>
+        </p:txBody>
+      </p:sp>
     </p:spTree>
     <p:extLst>
       <p:ext uri="{BB962C8B-B14F-4D97-AF65-F5344CB8AC3E}">
@@ -4960,14 +5480,14 @@
       </p:sp>
       <p:sp>
         <p:nvSpPr>
-          <p:cNvPr id="5" name="TextBox 4"/>
+          <p:cNvPr id="7" name="TextBox 4"/>
           <p:cNvSpPr txBox="1"/>
           <p:nvPr/>
         </p:nvSpPr>
         <p:spPr>
           <a:xfrm>
-            <a:off x="2916199" y="2162433"/>
-            <a:ext cx="6230360" cy="1569660"/>
+            <a:off x="4402178" y="2685208"/>
+            <a:ext cx="3456395" cy="1569660"/>
           </a:xfrm>
           <a:prstGeom prst="rect">
             <a:avLst/>
@@ -4978,10 +5498,104 @@
           <a:bodyPr wrap="none" rtlCol="0">
             <a:spAutoFit/>
           </a:bodyPr>
-          <a:lstStyle/>
-          <a:p>
-            <a:r>
-              <a:rPr lang="en-US" sz="9600" b="1" dirty="0" smtClean="0">
+          <a:lstStyle>
+            <a:defPPr>
+              <a:defRPr lang="en-US"/>
+            </a:defPPr>
+            <a:lvl1pPr marL="0" algn="l" defTabSz="914400" rtl="0" eaLnBrk="1" latinLnBrk="0" hangingPunct="1">
+              <a:defRPr sz="1800" kern="1200">
+                <a:solidFill>
+                  <a:schemeClr val="tx1"/>
+                </a:solidFill>
+                <a:latin typeface="+mn-lt"/>
+                <a:ea typeface="+mn-ea"/>
+                <a:cs typeface="+mn-cs"/>
+              </a:defRPr>
+            </a:lvl1pPr>
+            <a:lvl2pPr marL="457200" algn="l" defTabSz="914400" rtl="0" eaLnBrk="1" latinLnBrk="0" hangingPunct="1">
+              <a:defRPr sz="1800" kern="1200">
+                <a:solidFill>
+                  <a:schemeClr val="tx1"/>
+                </a:solidFill>
+                <a:latin typeface="+mn-lt"/>
+                <a:ea typeface="+mn-ea"/>
+                <a:cs typeface="+mn-cs"/>
+              </a:defRPr>
+            </a:lvl2pPr>
+            <a:lvl3pPr marL="914400" algn="l" defTabSz="914400" rtl="0" eaLnBrk="1" latinLnBrk="0" hangingPunct="1">
+              <a:defRPr sz="1800" kern="1200">
+                <a:solidFill>
+                  <a:schemeClr val="tx1"/>
+                </a:solidFill>
+                <a:latin typeface="+mn-lt"/>
+                <a:ea typeface="+mn-ea"/>
+                <a:cs typeface="+mn-cs"/>
+              </a:defRPr>
+            </a:lvl3pPr>
+            <a:lvl4pPr marL="1371600" algn="l" defTabSz="914400" rtl="0" eaLnBrk="1" latinLnBrk="0" hangingPunct="1">
+              <a:defRPr sz="1800" kern="1200">
+                <a:solidFill>
+                  <a:schemeClr val="tx1"/>
+                </a:solidFill>
+                <a:latin typeface="+mn-lt"/>
+                <a:ea typeface="+mn-ea"/>
+                <a:cs typeface="+mn-cs"/>
+              </a:defRPr>
+            </a:lvl4pPr>
+            <a:lvl5pPr marL="1828800" algn="l" defTabSz="914400" rtl="0" eaLnBrk="1" latinLnBrk="0" hangingPunct="1">
+              <a:defRPr sz="1800" kern="1200">
+                <a:solidFill>
+                  <a:schemeClr val="tx1"/>
+                </a:solidFill>
+                <a:latin typeface="+mn-lt"/>
+                <a:ea typeface="+mn-ea"/>
+                <a:cs typeface="+mn-cs"/>
+              </a:defRPr>
+            </a:lvl5pPr>
+            <a:lvl6pPr marL="2286000" algn="l" defTabSz="914400" rtl="0" eaLnBrk="1" latinLnBrk="0" hangingPunct="1">
+              <a:defRPr sz="1800" kern="1200">
+                <a:solidFill>
+                  <a:schemeClr val="tx1"/>
+                </a:solidFill>
+                <a:latin typeface="+mn-lt"/>
+                <a:ea typeface="+mn-ea"/>
+                <a:cs typeface="+mn-cs"/>
+              </a:defRPr>
+            </a:lvl6pPr>
+            <a:lvl7pPr marL="2743200" algn="l" defTabSz="914400" rtl="0" eaLnBrk="1" latinLnBrk="0" hangingPunct="1">
+              <a:defRPr sz="1800" kern="1200">
+                <a:solidFill>
+                  <a:schemeClr val="tx1"/>
+                </a:solidFill>
+                <a:latin typeface="+mn-lt"/>
+                <a:ea typeface="+mn-ea"/>
+                <a:cs typeface="+mn-cs"/>
+              </a:defRPr>
+            </a:lvl7pPr>
+            <a:lvl8pPr marL="3200400" algn="l" defTabSz="914400" rtl="0" eaLnBrk="1" latinLnBrk="0" hangingPunct="1">
+              <a:defRPr sz="1800" kern="1200">
+                <a:solidFill>
+                  <a:schemeClr val="tx1"/>
+                </a:solidFill>
+                <a:latin typeface="+mn-lt"/>
+                <a:ea typeface="+mn-ea"/>
+                <a:cs typeface="+mn-cs"/>
+              </a:defRPr>
+            </a:lvl8pPr>
+            <a:lvl9pPr marL="3657600" algn="l" defTabSz="914400" rtl="0" eaLnBrk="1" latinLnBrk="0" hangingPunct="1">
+              <a:defRPr sz="1800" kern="1200">
+                <a:solidFill>
+                  <a:schemeClr val="tx1"/>
+                </a:solidFill>
+                <a:latin typeface="+mn-lt"/>
+                <a:ea typeface="+mn-ea"/>
+                <a:cs typeface="+mn-cs"/>
+              </a:defRPr>
+            </a:lvl9pPr>
+          </a:lstStyle>
+          <a:p>
+            <a:r xmlns:a="http://schemas.openxmlformats.org/drawingml/2006/main">
+              <a:rPr lang="en" sz="9600" b="1" dirty="0" smtClean="0">
                 <a:solidFill>
                   <a:srgbClr val="7030A0"/>
                 </a:solidFill>
@@ -4989,9 +5603,9 @@
                 <a:ea typeface="Verdana" panose="020B0604030504040204" pitchFamily="34" charset="0"/>
                 <a:cs typeface="Segoe UI" panose="020B0502040204020203" pitchFamily="34" charset="0"/>
               </a:rPr>
-              <a:t>Thank you</a:t>
-            </a:r>
-            <a:endParaRPr lang="en-US" sz="9600" b="1" dirty="0">
+              <a:t>THANKS</a:t>
+            </a:r>
+            <a:endParaRPr xmlns:a="http://schemas.openxmlformats.org/drawingml/2006/main" lang="en-US" sz="9600" b="1" dirty="0">
               <a:solidFill>
                 <a:srgbClr val="7030A0"/>
               </a:solidFill>
@@ -5004,14 +5618,14 @@
       </p:sp>
       <p:sp>
         <p:nvSpPr>
-          <p:cNvPr id="6" name="TextBox 5"/>
+          <p:cNvPr id="8" name="TextBox 5"/>
           <p:cNvSpPr txBox="1"/>
           <p:nvPr/>
         </p:nvSpPr>
         <p:spPr>
           <a:xfrm>
-            <a:off x="2990336" y="2217861"/>
-            <a:ext cx="6230360" cy="1569660"/>
+            <a:off x="4333426" y="2603133"/>
+            <a:ext cx="3456395" cy="1569660"/>
           </a:xfrm>
           <a:prstGeom prst="rect">
             <a:avLst/>
@@ -5022,10 +5636,104 @@
           <a:bodyPr wrap="none" rtlCol="0">
             <a:spAutoFit/>
           </a:bodyPr>
-          <a:lstStyle/>
-          <a:p>
-            <a:r>
-              <a:rPr lang="en-US" sz="9600" b="1" dirty="0" smtClean="0">
+          <a:lstStyle>
+            <a:defPPr>
+              <a:defRPr lang="en-US"/>
+            </a:defPPr>
+            <a:lvl1pPr marL="0" algn="l" defTabSz="914400" rtl="0" eaLnBrk="1" latinLnBrk="0" hangingPunct="1">
+              <a:defRPr sz="1800" kern="1200">
+                <a:solidFill>
+                  <a:schemeClr val="tx1"/>
+                </a:solidFill>
+                <a:latin typeface="+mn-lt"/>
+                <a:ea typeface="+mn-ea"/>
+                <a:cs typeface="+mn-cs"/>
+              </a:defRPr>
+            </a:lvl1pPr>
+            <a:lvl2pPr marL="457200" algn="l" defTabSz="914400" rtl="0" eaLnBrk="1" latinLnBrk="0" hangingPunct="1">
+              <a:defRPr sz="1800" kern="1200">
+                <a:solidFill>
+                  <a:schemeClr val="tx1"/>
+                </a:solidFill>
+                <a:latin typeface="+mn-lt"/>
+                <a:ea typeface="+mn-ea"/>
+                <a:cs typeface="+mn-cs"/>
+              </a:defRPr>
+            </a:lvl2pPr>
+            <a:lvl3pPr marL="914400" algn="l" defTabSz="914400" rtl="0" eaLnBrk="1" latinLnBrk="0" hangingPunct="1">
+              <a:defRPr sz="1800" kern="1200">
+                <a:solidFill>
+                  <a:schemeClr val="tx1"/>
+                </a:solidFill>
+                <a:latin typeface="+mn-lt"/>
+                <a:ea typeface="+mn-ea"/>
+                <a:cs typeface="+mn-cs"/>
+              </a:defRPr>
+            </a:lvl3pPr>
+            <a:lvl4pPr marL="1371600" algn="l" defTabSz="914400" rtl="0" eaLnBrk="1" latinLnBrk="0" hangingPunct="1">
+              <a:defRPr sz="1800" kern="1200">
+                <a:solidFill>
+                  <a:schemeClr val="tx1"/>
+                </a:solidFill>
+                <a:latin typeface="+mn-lt"/>
+                <a:ea typeface="+mn-ea"/>
+                <a:cs typeface="+mn-cs"/>
+              </a:defRPr>
+            </a:lvl4pPr>
+            <a:lvl5pPr marL="1828800" algn="l" defTabSz="914400" rtl="0" eaLnBrk="1" latinLnBrk="0" hangingPunct="1">
+              <a:defRPr sz="1800" kern="1200">
+                <a:solidFill>
+                  <a:schemeClr val="tx1"/>
+                </a:solidFill>
+                <a:latin typeface="+mn-lt"/>
+                <a:ea typeface="+mn-ea"/>
+                <a:cs typeface="+mn-cs"/>
+              </a:defRPr>
+            </a:lvl5pPr>
+            <a:lvl6pPr marL="2286000" algn="l" defTabSz="914400" rtl="0" eaLnBrk="1" latinLnBrk="0" hangingPunct="1">
+              <a:defRPr sz="1800" kern="1200">
+                <a:solidFill>
+                  <a:schemeClr val="tx1"/>
+                </a:solidFill>
+                <a:latin typeface="+mn-lt"/>
+                <a:ea typeface="+mn-ea"/>
+                <a:cs typeface="+mn-cs"/>
+              </a:defRPr>
+            </a:lvl6pPr>
+            <a:lvl7pPr marL="2743200" algn="l" defTabSz="914400" rtl="0" eaLnBrk="1" latinLnBrk="0" hangingPunct="1">
+              <a:defRPr sz="1800" kern="1200">
+                <a:solidFill>
+                  <a:schemeClr val="tx1"/>
+                </a:solidFill>
+                <a:latin typeface="+mn-lt"/>
+                <a:ea typeface="+mn-ea"/>
+                <a:cs typeface="+mn-cs"/>
+              </a:defRPr>
+            </a:lvl7pPr>
+            <a:lvl8pPr marL="3200400" algn="l" defTabSz="914400" rtl="0" eaLnBrk="1" latinLnBrk="0" hangingPunct="1">
+              <a:defRPr sz="1800" kern="1200">
+                <a:solidFill>
+                  <a:schemeClr val="tx1"/>
+                </a:solidFill>
+                <a:latin typeface="+mn-lt"/>
+                <a:ea typeface="+mn-ea"/>
+                <a:cs typeface="+mn-cs"/>
+              </a:defRPr>
+            </a:lvl8pPr>
+            <a:lvl9pPr marL="3657600" algn="l" defTabSz="914400" rtl="0" eaLnBrk="1" latinLnBrk="0" hangingPunct="1">
+              <a:defRPr sz="1800" kern="1200">
+                <a:solidFill>
+                  <a:schemeClr val="tx1"/>
+                </a:solidFill>
+                <a:latin typeface="+mn-lt"/>
+                <a:ea typeface="+mn-ea"/>
+                <a:cs typeface="+mn-cs"/>
+              </a:defRPr>
+            </a:lvl9pPr>
+          </a:lstStyle>
+          <a:p>
+            <a:r xmlns:a="http://schemas.openxmlformats.org/drawingml/2006/main">
+              <a:rPr lang="en" sz="9600" b="1" dirty="0" smtClean="0">
                 <a:solidFill>
                   <a:schemeClr val="bg1"/>
                 </a:solidFill>
@@ -5033,9 +5741,9 @@
                 <a:ea typeface="Verdana" panose="020B0604030504040204" pitchFamily="34" charset="0"/>
                 <a:cs typeface="Segoe UI" panose="020B0502040204020203" pitchFamily="34" charset="0"/>
               </a:rPr>
-              <a:t>Thank you</a:t>
-            </a:r>
-            <a:endParaRPr lang="en-US" sz="9600" b="1" dirty="0">
+              <a:t>THANKS</a:t>
+            </a:r>
+            <a:endParaRPr xmlns:a="http://schemas.openxmlformats.org/drawingml/2006/main" lang="en-US" sz="9600" b="1" dirty="0">
               <a:solidFill>
                 <a:schemeClr val="bg1"/>
               </a:solidFill>

--- a/English/1.Importation techniques/5.Importing data from web.pptx
+++ b/English/1.Importation techniques/5.Importing data from web.pptx
@@ -202,7 +202,7 @@
           <a:p>
             <a:fld id="{056BA3B8-9F76-4D81-B71D-76CB85363062}" type="datetimeFigureOut">
               <a:rPr lang="en-US" smtClean="0"/>
-              <a:t>2/25/2025</a:t>
+              <a:t>4/3/2025</a:t>
             </a:fld>
             <a:endParaRPr lang="en-US"/>
           </a:p>
@@ -937,7 +937,7 @@
           <a:p>
             <a:fld id="{6F01DA4D-20EA-48D2-973C-0311EC3005D6}" type="datetimeFigureOut">
               <a:rPr lang="en-US" smtClean="0"/>
-              <a:t>2/25/2025</a:t>
+              <a:t>4/3/2025</a:t>
             </a:fld>
             <a:endParaRPr lang="en-US"/>
           </a:p>
@@ -1107,7 +1107,7 @@
           <a:p>
             <a:fld id="{6F01DA4D-20EA-48D2-973C-0311EC3005D6}" type="datetimeFigureOut">
               <a:rPr lang="en-US" smtClean="0"/>
-              <a:t>2/25/2025</a:t>
+              <a:t>4/3/2025</a:t>
             </a:fld>
             <a:endParaRPr lang="en-US"/>
           </a:p>
@@ -1287,7 +1287,7 @@
           <a:p>
             <a:fld id="{6F01DA4D-20EA-48D2-973C-0311EC3005D6}" type="datetimeFigureOut">
               <a:rPr lang="en-US" smtClean="0"/>
-              <a:t>2/25/2025</a:t>
+              <a:t>4/3/2025</a:t>
             </a:fld>
             <a:endParaRPr lang="en-US"/>
           </a:p>
@@ -1457,7 +1457,7 @@
           <a:p>
             <a:fld id="{6F01DA4D-20EA-48D2-973C-0311EC3005D6}" type="datetimeFigureOut">
               <a:rPr lang="en-US" smtClean="0"/>
-              <a:t>2/25/2025</a:t>
+              <a:t>4/3/2025</a:t>
             </a:fld>
             <a:endParaRPr lang="en-US"/>
           </a:p>
@@ -1703,7 +1703,7 @@
           <a:p>
             <a:fld id="{6F01DA4D-20EA-48D2-973C-0311EC3005D6}" type="datetimeFigureOut">
               <a:rPr lang="en-US" smtClean="0"/>
-              <a:t>2/25/2025</a:t>
+              <a:t>4/3/2025</a:t>
             </a:fld>
             <a:endParaRPr lang="en-US"/>
           </a:p>
@@ -1935,7 +1935,7 @@
           <a:p>
             <a:fld id="{6F01DA4D-20EA-48D2-973C-0311EC3005D6}" type="datetimeFigureOut">
               <a:rPr lang="en-US" smtClean="0"/>
-              <a:t>2/25/2025</a:t>
+              <a:t>4/3/2025</a:t>
             </a:fld>
             <a:endParaRPr lang="en-US"/>
           </a:p>
@@ -2302,7 +2302,7 @@
           <a:p>
             <a:fld id="{6F01DA4D-20EA-48D2-973C-0311EC3005D6}" type="datetimeFigureOut">
               <a:rPr lang="en-US" smtClean="0"/>
-              <a:t>2/25/2025</a:t>
+              <a:t>4/3/2025</a:t>
             </a:fld>
             <a:endParaRPr lang="en-US"/>
           </a:p>
@@ -2420,7 +2420,7 @@
           <a:p>
             <a:fld id="{6F01DA4D-20EA-48D2-973C-0311EC3005D6}" type="datetimeFigureOut">
               <a:rPr lang="en-US" smtClean="0"/>
-              <a:t>2/25/2025</a:t>
+              <a:t>4/3/2025</a:t>
             </a:fld>
             <a:endParaRPr lang="en-US"/>
           </a:p>
@@ -2515,7 +2515,7 @@
           <a:p>
             <a:fld id="{6F01DA4D-20EA-48D2-973C-0311EC3005D6}" type="datetimeFigureOut">
               <a:rPr lang="en-US" smtClean="0"/>
-              <a:t>2/25/2025</a:t>
+              <a:t>4/3/2025</a:t>
             </a:fld>
             <a:endParaRPr lang="en-US"/>
           </a:p>
@@ -2792,7 +2792,7 @@
           <a:p>
             <a:fld id="{6F01DA4D-20EA-48D2-973C-0311EC3005D6}" type="datetimeFigureOut">
               <a:rPr lang="en-US" smtClean="0"/>
-              <a:t>2/25/2025</a:t>
+              <a:t>4/3/2025</a:t>
             </a:fld>
             <a:endParaRPr lang="en-US"/>
           </a:p>
@@ -3045,7 +3045,7 @@
           <a:p>
             <a:fld id="{6F01DA4D-20EA-48D2-973C-0311EC3005D6}" type="datetimeFigureOut">
               <a:rPr lang="en-US" smtClean="0"/>
-              <a:t>2/25/2025</a:t>
+              <a:t>4/3/2025</a:t>
             </a:fld>
             <a:endParaRPr lang="en-US"/>
           </a:p>
@@ -3258,7 +3258,7 @@
           <a:p>
             <a:fld id="{6F01DA4D-20EA-48D2-973C-0311EC3005D6}" type="datetimeFigureOut">
               <a:rPr lang="en-US" smtClean="0"/>
-              <a:t>2/25/2025</a:t>
+              <a:t>4/3/2025</a:t>
             </a:fld>
             <a:endParaRPr lang="en-US"/>
           </a:p>
@@ -3693,8 +3693,8 @@
           </a:bodyPr>
           <a:lstStyle/>
           <a:p>
-            <a:pPr xmlns:a="http://schemas.openxmlformats.org/drawingml/2006/main" algn="ctr"/>
-            <a:r xmlns:a="http://schemas.openxmlformats.org/drawingml/2006/main">
+            <a:pPr algn="ctr"/>
+            <a:r>
               <a:rPr lang="en" sz="8000" b="1" dirty="0" smtClean="0">
                 <a:solidFill>
                   <a:srgbClr val="7030A0"/>
@@ -3703,42 +3703,9 @@
                 <a:ea typeface="Verdana" panose="020B0604030504040204" pitchFamily="34" charset="0"/>
                 <a:cs typeface="Segoe UI" panose="020B0502040204020203" pitchFamily="34" charset="0"/>
               </a:rPr>
-              <a:t>Import </a:t>
-            </a:r>
-            <a:r xmlns:a="http://schemas.openxmlformats.org/drawingml/2006/main">
-              <a:rPr lang="en" sz="8000" b="1" dirty="0" smtClean="0">
-                <a:solidFill>
-                  <a:srgbClr val="7030A0"/>
-                </a:solidFill>
-                <a:latin typeface="Segoe UI" panose="020B0502040204020203" pitchFamily="34" charset="0"/>
-                <a:ea typeface="Verdana" panose="020B0604030504040204" pitchFamily="34" charset="0"/>
-                <a:cs typeface="Segoe UI" panose="020B0502040204020203" pitchFamily="34" charset="0"/>
-              </a:rPr>
-              <a:t>data </a:t>
-            </a:r>
-            <a:r xmlns:a="http://schemas.openxmlformats.org/drawingml/2006/main">
-              <a:rPr lang="en" sz="8000" b="1" dirty="0" smtClean="0">
-                <a:solidFill>
-                  <a:srgbClr val="7030A0"/>
-                </a:solidFill>
-                <a:latin typeface="Segoe UI" panose="020B0502040204020203" pitchFamily="34" charset="0"/>
-                <a:ea typeface="Verdana" panose="020B0604030504040204" pitchFamily="34" charset="0"/>
-                <a:cs typeface="Segoe UI" panose="020B0502040204020203" pitchFamily="34" charset="0"/>
-              </a:rPr>
-              <a:t>from the </a:t>
-            </a:r>
-            <a:r xmlns:a="http://schemas.openxmlformats.org/drawingml/2006/main">
-              <a:rPr lang="en" sz="8000" b="1" dirty="0" smtClean="0">
-                <a:solidFill>
-                  <a:srgbClr val="7030A0"/>
-                </a:solidFill>
-                <a:latin typeface="Segoe UI" panose="020B0502040204020203" pitchFamily="34" charset="0"/>
-                <a:ea typeface="Verdana" panose="020B0604030504040204" pitchFamily="34" charset="0"/>
-                <a:cs typeface="Segoe UI" panose="020B0502040204020203" pitchFamily="34" charset="0"/>
-              </a:rPr>
-              <a:t>web</a:t>
-            </a:r>
-            <a:endParaRPr xmlns:a="http://schemas.openxmlformats.org/drawingml/2006/main" lang="en-US" sz="8000" b="1" dirty="0">
+              <a:t>Import data from the web</a:t>
+            </a:r>
+            <a:endParaRPr lang="en-US" sz="8000" b="1" dirty="0">
               <a:solidFill>
                 <a:srgbClr val="7030A0"/>
               </a:solidFill>
@@ -3771,8 +3738,8 @@
           </a:bodyPr>
           <a:lstStyle/>
           <a:p>
-            <a:pPr xmlns:a="http://schemas.openxmlformats.org/drawingml/2006/main" algn="ctr"/>
-            <a:r xmlns:a="http://schemas.openxmlformats.org/drawingml/2006/main">
+            <a:pPr algn="ctr"/>
+            <a:r>
               <a:rPr lang="en" sz="8000" b="1" dirty="0" smtClean="0">
                 <a:solidFill>
                   <a:schemeClr val="bg1"/>
@@ -3781,42 +3748,9 @@
                 <a:ea typeface="Verdana" panose="020B0604030504040204" pitchFamily="34" charset="0"/>
                 <a:cs typeface="Segoe UI" panose="020B0502040204020203" pitchFamily="34" charset="0"/>
               </a:rPr>
-              <a:t>Import </a:t>
-            </a:r>
-            <a:r xmlns:a="http://schemas.openxmlformats.org/drawingml/2006/main">
-              <a:rPr lang="en" sz="8000" b="1" dirty="0" smtClean="0">
-                <a:solidFill>
-                  <a:schemeClr val="bg1"/>
-                </a:solidFill>
-                <a:latin typeface="Segoe UI" panose="020B0502040204020203" pitchFamily="34" charset="0"/>
-                <a:ea typeface="Verdana" panose="020B0604030504040204" pitchFamily="34" charset="0"/>
-                <a:cs typeface="Segoe UI" panose="020B0502040204020203" pitchFamily="34" charset="0"/>
-              </a:rPr>
-              <a:t>data </a:t>
-            </a:r>
-            <a:r xmlns:a="http://schemas.openxmlformats.org/drawingml/2006/main">
-              <a:rPr lang="en" sz="8000" b="1" dirty="0" smtClean="0">
-                <a:solidFill>
-                  <a:schemeClr val="bg1"/>
-                </a:solidFill>
-                <a:latin typeface="Segoe UI" panose="020B0502040204020203" pitchFamily="34" charset="0"/>
-                <a:ea typeface="Verdana" panose="020B0604030504040204" pitchFamily="34" charset="0"/>
-                <a:cs typeface="Segoe UI" panose="020B0502040204020203" pitchFamily="34" charset="0"/>
-              </a:rPr>
-              <a:t>from the </a:t>
-            </a:r>
-            <a:r xmlns:a="http://schemas.openxmlformats.org/drawingml/2006/main">
-              <a:rPr lang="en" sz="8000" b="1" dirty="0" smtClean="0">
-                <a:solidFill>
-                  <a:schemeClr val="bg1"/>
-                </a:solidFill>
-                <a:latin typeface="Segoe UI" panose="020B0502040204020203" pitchFamily="34" charset="0"/>
-                <a:ea typeface="Verdana" panose="020B0604030504040204" pitchFamily="34" charset="0"/>
-                <a:cs typeface="Segoe UI" panose="020B0502040204020203" pitchFamily="34" charset="0"/>
-              </a:rPr>
-              <a:t>web</a:t>
-            </a:r>
-            <a:endParaRPr xmlns:a="http://schemas.openxmlformats.org/drawingml/2006/main" lang="en-US" sz="8000" b="1" dirty="0">
+              <a:t>Import data from the web</a:t>
+            </a:r>
+            <a:endParaRPr lang="en-US" sz="8000" b="1" dirty="0">
               <a:solidFill>
                 <a:schemeClr val="bg1"/>
               </a:solidFill>
@@ -3885,7 +3819,7 @@
           </a:bodyPr>
           <a:lstStyle/>
           <a:p>
-            <a:pPr xmlns:a="http://schemas.openxmlformats.org/drawingml/2006/main">
+            <a:pPr>
               <a:lnSpc>
                 <a:spcPct val="107000"/>
               </a:lnSpc>
@@ -3896,7 +3830,7 @@
                 <a:spcPts val="0"/>
               </a:spcAft>
             </a:pPr>
-            <a:r xmlns:a="http://schemas.openxmlformats.org/drawingml/2006/main">
+            <a:r>
               <a:rPr lang="en" b="1" kern="0" dirty="0" smtClean="0">
                 <a:latin typeface="Segoe UI" panose="020B0502040204020203" pitchFamily="34" charset="0"/>
                 <a:ea typeface="Times New Roman" panose="02020603050405020304" pitchFamily="18" charset="0"/>
@@ -3904,7 +3838,7 @@
               </a:rPr>
               <a:t>Import data from the web</a:t>
             </a:r>
-            <a:endParaRPr xmlns:a="http://schemas.openxmlformats.org/drawingml/2006/main" lang="en-US" b="1" kern="0" dirty="0">
+            <a:endParaRPr lang="en-US" b="1" kern="0" dirty="0">
               <a:latin typeface="Segoe UI" panose="020B0502040204020203" pitchFamily="34" charset="0"/>
               <a:ea typeface="Times New Roman" panose="02020603050405020304" pitchFamily="18" charset="0"/>
               <a:cs typeface="Times New Roman" panose="02020603050405020304" pitchFamily="18" charset="0"/>
@@ -3933,7 +3867,7 @@
           </a:bodyPr>
           <a:lstStyle/>
           <a:p>
-            <a:pPr xmlns:a="http://schemas.openxmlformats.org/drawingml/2006/main" lvl="0">
+            <a:pPr lvl="0">
               <a:lnSpc>
                 <a:spcPct val="107000"/>
               </a:lnSpc>
@@ -3941,7 +3875,7 @@
                 <a:spcPts val="800"/>
               </a:spcAft>
             </a:pPr>
-            <a:r xmlns:a="http://schemas.openxmlformats.org/drawingml/2006/main">
+            <a:r>
               <a:rPr lang="en" dirty="0" err="1" smtClean="0">
                 <a:latin typeface="Segoe UI" panose="020B0502040204020203" pitchFamily="34" charset="0"/>
                 <a:ea typeface="Calibri" panose="020F0502020204030204" pitchFamily="34" charset="0"/>
@@ -3949,7 +3883,7 @@
               </a:rPr>
               <a:t>Select </a:t>
             </a:r>
-            <a:r xmlns:a="http://schemas.openxmlformats.org/drawingml/2006/main">
+            <a:r>
               <a:rPr lang="en" dirty="0" smtClean="0">
                 <a:latin typeface="Segoe UI" panose="020B0502040204020203" pitchFamily="34" charset="0"/>
                 <a:ea typeface="Calibri" panose="020F0502020204030204" pitchFamily="34" charset="0"/>
@@ -3957,7 +3891,7 @@
               </a:rPr>
               <a:t>a web source</a:t>
             </a:r>
-            <a:endParaRPr xmlns:a="http://schemas.openxmlformats.org/drawingml/2006/main" lang="en-US" sz="1400" dirty="0">
+            <a:endParaRPr lang="en-US" sz="1400" dirty="0">
               <a:effectLst/>
               <a:latin typeface="Calibri" panose="020F0502020204030204" pitchFamily="34" charset="0"/>
               <a:ea typeface="Calibri" panose="020F0502020204030204" pitchFamily="34" charset="0"/>
@@ -4029,7 +3963,7 @@
           </a:bodyPr>
           <a:lstStyle/>
           <a:p>
-            <a:pPr xmlns:a="http://schemas.openxmlformats.org/drawingml/2006/main" lvl="0">
+            <a:pPr lvl="0">
               <a:lnSpc>
                 <a:spcPct val="107000"/>
               </a:lnSpc>
@@ -4037,7 +3971,7 @@
                 <a:spcPts val="800"/>
               </a:spcAft>
             </a:pPr>
-            <a:r xmlns:a="http://schemas.openxmlformats.org/drawingml/2006/main">
+            <a:r>
               <a:rPr lang="en" dirty="0" err="1" smtClean="0">
                 <a:latin typeface="Segoe UI" panose="020B0502040204020203" pitchFamily="34" charset="0"/>
                 <a:ea typeface="Calibri" panose="020F0502020204030204" pitchFamily="34" charset="0"/>
@@ -4045,7 +3979,7 @@
               </a:rPr>
               <a:t>Navigate to</a:t>
             </a:r>
-            <a:r xmlns:a="http://schemas.openxmlformats.org/drawingml/2006/main">
+            <a:r>
               <a:rPr lang="en" dirty="0" smtClean="0">
                 <a:latin typeface="Segoe UI" panose="020B0502040204020203" pitchFamily="34" charset="0"/>
                 <a:ea typeface="Calibri" panose="020F0502020204030204" pitchFamily="34" charset="0"/>
@@ -4053,7 +3987,7 @@
               </a:rPr>
               <a:t> </a:t>
             </a:r>
-            <a:r xmlns:a="http://schemas.openxmlformats.org/drawingml/2006/main" xmlns:r="http://schemas.openxmlformats.org/officeDocument/2006/relationships">
+            <a:r>
               <a:rPr lang="en" u="sng" dirty="0" smtClean="0">
                 <a:solidFill>
                   <a:srgbClr val="0563C1"/>
@@ -4065,7 +3999,7 @@
               </a:rPr>
               <a:t>https://www.investing.com/equities</a:t>
             </a:r>
-            <a:r xmlns:a="http://schemas.openxmlformats.org/drawingml/2006/main" xmlns:r="http://schemas.openxmlformats.org/officeDocument/2006/relationships">
+            <a:r>
               <a:rPr lang="en" u="sng" dirty="0">
                 <a:solidFill>
                   <a:srgbClr val="0563C1"/>
@@ -4077,7 +4011,7 @@
               </a:rPr>
               <a:t>​</a:t>
             </a:r>
-            <a:r xmlns:a="http://schemas.openxmlformats.org/drawingml/2006/main" xmlns:r="http://schemas.openxmlformats.org/officeDocument/2006/relationships">
+            <a:r>
               <a:rPr lang="en" u="sng" dirty="0" smtClean="0">
                 <a:solidFill>
                   <a:srgbClr val="0563C1"/>
@@ -4089,7 +4023,7 @@
               </a:rPr>
               <a:t>​</a:t>
             </a:r>
-            <a:r xmlns:a="http://schemas.openxmlformats.org/drawingml/2006/main">
+            <a:r>
               <a:rPr lang="en" u="sng" dirty="0" smtClean="0">
                 <a:solidFill>
                   <a:srgbClr val="0563C1"/>
@@ -4100,7 +4034,7 @@
               </a:rPr>
               <a:t> </a:t>
             </a:r>
-            <a:r xmlns:a="http://schemas.openxmlformats.org/drawingml/2006/main">
+            <a:r>
               <a:rPr lang="en" dirty="0" smtClean="0">
                 <a:latin typeface="Segoe UI" panose="020B0502040204020203" pitchFamily="34" charset="0"/>
                 <a:ea typeface="Calibri" panose="020F0502020204030204" pitchFamily="34" charset="0"/>
@@ -4108,7 +4042,7 @@
               </a:rPr>
               <a:t>and observe the data</a:t>
             </a:r>
-            <a:endParaRPr xmlns:a="http://schemas.openxmlformats.org/drawingml/2006/main" lang="en-US" sz="1400" dirty="0">
+            <a:endParaRPr lang="en-US" sz="1400" dirty="0">
               <a:effectLst/>
               <a:latin typeface="Calibri" panose="020F0502020204030204" pitchFamily="34" charset="0"/>
               <a:ea typeface="Calibri" panose="020F0502020204030204" pitchFamily="34" charset="0"/>
@@ -4209,7 +4143,7 @@
           </a:bodyPr>
           <a:lstStyle/>
           <a:p>
-            <a:pPr xmlns:a="http://schemas.openxmlformats.org/drawingml/2006/main">
+            <a:pPr>
               <a:lnSpc>
                 <a:spcPct val="107000"/>
               </a:lnSpc>
@@ -4220,7 +4154,7 @@
                 <a:spcPts val="0"/>
               </a:spcAft>
             </a:pPr>
-            <a:r xmlns:a="http://schemas.openxmlformats.org/drawingml/2006/main">
+            <a:r>
               <a:rPr lang="en" b="1" kern="0" dirty="0" smtClean="0">
                 <a:latin typeface="Segoe UI" panose="020B0502040204020203" pitchFamily="34" charset="0"/>
                 <a:ea typeface="Times New Roman" panose="02020603050405020304" pitchFamily="18" charset="0"/>
@@ -4228,7 +4162,7 @@
               </a:rPr>
               <a:t>Import data from the web</a:t>
             </a:r>
-            <a:endParaRPr xmlns:a="http://schemas.openxmlformats.org/drawingml/2006/main" lang="en-US" b="1" kern="0" dirty="0">
+            <a:endParaRPr lang="en-US" b="1" kern="0" dirty="0">
               <a:latin typeface="Segoe UI" panose="020B0502040204020203" pitchFamily="34" charset="0"/>
               <a:ea typeface="Times New Roman" panose="02020603050405020304" pitchFamily="18" charset="0"/>
               <a:cs typeface="Times New Roman" panose="02020603050405020304" pitchFamily="18" charset="0"/>
@@ -4311,12 +4245,12 @@
           <a:bodyPr rtlCol="0" anchor="ctr"/>
           <a:lstStyle/>
           <a:p>
-            <a:pPr xmlns:a="http://schemas.openxmlformats.org/drawingml/2006/main" algn="ctr"/>
-            <a:r xmlns:a="http://schemas.openxmlformats.org/drawingml/2006/main">
+            <a:pPr algn="ctr"/>
+            <a:r>
               <a:rPr lang="en" b="1" dirty="0" smtClean="0"/>
               <a:t>1</a:t>
             </a:r>
-            <a:endParaRPr xmlns:a="http://schemas.openxmlformats.org/drawingml/2006/main" lang="en-US" b="1" dirty="0"/>
+            <a:endParaRPr lang="en-US" b="1" dirty="0"/>
           </a:p>
         </p:txBody>
       </p:sp>
@@ -4361,12 +4295,12 @@
           <a:bodyPr rtlCol="0" anchor="ctr"/>
           <a:lstStyle/>
           <a:p>
-            <a:pPr xmlns:a="http://schemas.openxmlformats.org/drawingml/2006/main" algn="ctr"/>
-            <a:r xmlns:a="http://schemas.openxmlformats.org/drawingml/2006/main">
+            <a:pPr algn="ctr"/>
+            <a:r>
               <a:rPr lang="en" b="1" dirty="0" smtClean="0"/>
               <a:t>2</a:t>
             </a:r>
-            <a:endParaRPr xmlns:a="http://schemas.openxmlformats.org/drawingml/2006/main" lang="en-US" b="1" dirty="0"/>
+            <a:endParaRPr lang="en-US" b="1" dirty="0"/>
           </a:p>
         </p:txBody>
       </p:sp>
@@ -4391,7 +4325,7 @@
           </a:bodyPr>
           <a:lstStyle/>
           <a:p>
-            <a:pPr xmlns:a="http://schemas.openxmlformats.org/drawingml/2006/main" lvl="0">
+            <a:pPr lvl="0">
               <a:lnSpc>
                 <a:spcPct val="107000"/>
               </a:lnSpc>
@@ -4399,7 +4333,7 @@
                 <a:spcPts val="800"/>
               </a:spcAft>
             </a:pPr>
-            <a:r xmlns:a="http://schemas.openxmlformats.org/drawingml/2006/main">
+            <a:r>
               <a:rPr lang="en" dirty="0" smtClean="0">
                 <a:latin typeface="Segoe UI" panose="020B0502040204020203" pitchFamily="34" charset="0"/>
                 <a:ea typeface="Calibri" panose="020F0502020204030204" pitchFamily="34" charset="0"/>
@@ -4407,7 +4341,7 @@
               </a:rPr>
               <a:t>Select a data source</a:t>
             </a:r>
-            <a:endParaRPr xmlns:a="http://schemas.openxmlformats.org/drawingml/2006/main" lang="fr-FR" sz="1400" dirty="0">
+            <a:endParaRPr lang="fr-FR" sz="1400" dirty="0">
               <a:effectLst/>
               <a:latin typeface="Calibri" panose="020F0502020204030204" pitchFamily="34" charset="0"/>
               <a:ea typeface="Calibri" panose="020F0502020204030204" pitchFamily="34" charset="0"/>
@@ -4501,7 +4435,7 @@
           </a:bodyPr>
           <a:lstStyle/>
           <a:p>
-            <a:pPr xmlns:a="http://schemas.openxmlformats.org/drawingml/2006/main">
+            <a:pPr>
               <a:lnSpc>
                 <a:spcPct val="107000"/>
               </a:lnSpc>
@@ -4512,7 +4446,7 @@
                 <a:spcPts val="0"/>
               </a:spcAft>
             </a:pPr>
-            <a:r xmlns:a="http://schemas.openxmlformats.org/drawingml/2006/main">
+            <a:r>
               <a:rPr lang="en" b="1" kern="0" dirty="0" smtClean="0">
                 <a:latin typeface="Segoe UI" panose="020B0502040204020203" pitchFamily="34" charset="0"/>
                 <a:ea typeface="Times New Roman" panose="02020603050405020304" pitchFamily="18" charset="0"/>
@@ -4520,7 +4454,7 @@
               </a:rPr>
               <a:t>Import data from the web</a:t>
             </a:r>
-            <a:endParaRPr xmlns:a="http://schemas.openxmlformats.org/drawingml/2006/main" lang="en-US" b="1" kern="0" dirty="0">
+            <a:endParaRPr lang="en-US" b="1" kern="0" dirty="0">
               <a:latin typeface="Segoe UI" panose="020B0502040204020203" pitchFamily="34" charset="0"/>
               <a:ea typeface="Times New Roman" panose="02020603050405020304" pitchFamily="18" charset="0"/>
               <a:cs typeface="Times New Roman" panose="02020603050405020304" pitchFamily="18" charset="0"/>
@@ -4669,7 +4603,7 @@
           </a:bodyPr>
           <a:lstStyle/>
           <a:p>
-            <a:pPr xmlns:a="http://schemas.openxmlformats.org/drawingml/2006/main" marL="0" marR="0" lvl="0" indent="0" algn="l" defTabSz="914400" rtl="0" eaLnBrk="0" fontAlgn="base" latinLnBrk="0" hangingPunct="0">
+            <a:pPr marL="0" marR="0" lvl="0" indent="0" algn="l" defTabSz="914400" rtl="0" eaLnBrk="0" fontAlgn="base" latinLnBrk="0" hangingPunct="0">
               <a:lnSpc>
                 <a:spcPct val="100000"/>
               </a:lnSpc>
@@ -4685,7 +4619,7 @@
               <a:buNone/>
               <a:tabLst/>
             </a:pPr>
-            <a:r xmlns:a="http://schemas.openxmlformats.org/drawingml/2006/main">
+            <a:r>
               <a:rPr kumimoji="0" lang="en" altLang="en-US" sz="1800" b="0" i="0" u="none" strike="noStrike" cap="none" normalizeH="0" baseline="0" dirty="0" err="1" smtClean="0">
                 <a:ln>
                   <a:noFill/>
@@ -4698,7 +4632,7 @@
               </a:rPr>
               <a:t>In </a:t>
             </a:r>
-            <a:r xmlns:a="http://schemas.openxmlformats.org/drawingml/2006/main">
+            <a:r>
               <a:rPr kumimoji="0" lang="en" altLang="en-US" sz="1800" b="0" i="0" u="none" strike="noStrike" cap="none" normalizeH="0" baseline="0" dirty="0" smtClean="0">
                 <a:ln>
                   <a:noFill/>
@@ -4711,7 +4645,7 @@
               </a:rPr>
               <a:t>the URL field, </a:t>
             </a:r>
-            <a:r xmlns:a="http://schemas.openxmlformats.org/drawingml/2006/main">
+            <a:r>
               <a:rPr kumimoji="0" lang="en" altLang="en-US" sz="1800" b="0" i="0" u="none" strike="noStrike" cap="none" normalizeH="0" baseline="0" dirty="0" err="1" smtClean="0">
                 <a:ln>
                   <a:noFill/>
@@ -4724,7 +4658,7 @@
               </a:rPr>
               <a:t>enter </a:t>
             </a:r>
-            <a:r xmlns:a="http://schemas.openxmlformats.org/drawingml/2006/main">
+            <a:r>
               <a:rPr kumimoji="0" lang="en" altLang="en-US" sz="1800" b="0" i="0" u="none" strike="noStrike" cap="none" normalizeH="0" baseline="0" dirty="0" smtClean="0">
                 <a:ln>
                   <a:noFill/>
@@ -4737,7 +4671,7 @@
               </a:rPr>
               <a:t>the link, </a:t>
             </a:r>
-            <a:r xmlns:a="http://schemas.openxmlformats.org/drawingml/2006/main">
+            <a:r>
               <a:rPr kumimoji="0" lang="en" altLang="en-US" sz="1800" b="0" i="0" u="none" strike="noStrike" cap="none" normalizeH="0" baseline="0" dirty="0" err="1" smtClean="0">
                 <a:ln>
                   <a:noFill/>
@@ -4750,7 +4684,7 @@
               </a:rPr>
               <a:t>then</a:t>
             </a:r>
-            <a:r xmlns:a="http://schemas.openxmlformats.org/drawingml/2006/main">
+            <a:r>
               <a:rPr kumimoji="0" lang="en" altLang="en-US" sz="1800" b="0" i="0" u="none" strike="noStrike" cap="none" normalizeH="0" baseline="0" dirty="0" smtClean="0">
                 <a:ln>
                   <a:noFill/>
@@ -4763,7 +4697,7 @@
               </a:rPr>
               <a:t> </a:t>
             </a:r>
-            <a:r xmlns:a="http://schemas.openxmlformats.org/drawingml/2006/main">
+            <a:r>
               <a:rPr kumimoji="0" lang="en" altLang="en-US" sz="1800" b="0" i="0" u="none" strike="noStrike" cap="none" normalizeH="0" baseline="0" dirty="0" err="1" smtClean="0">
                 <a:ln>
                   <a:noFill/>
@@ -4776,7 +4710,7 @@
               </a:rPr>
               <a:t>click </a:t>
             </a:r>
-            <a:r xmlns:a="http://schemas.openxmlformats.org/drawingml/2006/main">
+            <a:r>
               <a:rPr kumimoji="0" lang="en" altLang="en-US" sz="1800" b="0" i="0" u="none" strike="noStrike" cap="none" normalizeH="0" baseline="0" dirty="0" smtClean="0">
                 <a:ln>
                   <a:noFill/>
@@ -4787,9 +4721,35 @@
                 <a:effectLst/>
                 <a:latin typeface="Arial" panose="020B0604020202020204" pitchFamily="34" charset="0"/>
               </a:rPr>
-              <a:t>Next </a:t>
-            </a:r>
-            <a:r xmlns:a="http://schemas.openxmlformats.org/drawingml/2006/main">
+              <a:t>Next , </a:t>
+            </a:r>
+            <a:r>
+              <a:rPr kumimoji="0" lang="en" altLang="en-US" sz="1800" b="0" i="0" u="none" strike="noStrike" cap="none" normalizeH="0" baseline="0" dirty="0" err="1" smtClean="0">
+                <a:ln>
+                  <a:noFill/>
+                </a:ln>
+                <a:solidFill>
+                  <a:schemeClr val="tx1"/>
+                </a:solidFill>
+                <a:effectLst/>
+                <a:latin typeface="Arial" panose="020B0604020202020204" pitchFamily="34" charset="0"/>
+              </a:rPr>
+              <a:t>choose</a:t>
+            </a:r>
+            <a:r>
+              <a:rPr kumimoji="0" lang="en" altLang="en-US" sz="1800" b="1" i="0" u="none" strike="noStrike" cap="none" normalizeH="0" baseline="0" dirty="0" err="1" smtClean="0">
+                <a:ln>
+                  <a:noFill/>
+                </a:ln>
+                <a:solidFill>
+                  <a:schemeClr val="tx1"/>
+                </a:solidFill>
+                <a:effectLst/>
+                <a:latin typeface="Arial" panose="020B0604020202020204" pitchFamily="34" charset="0"/>
+              </a:rPr>
+              <a:t>​</a:t>
+            </a:r>
+            <a:r>
               <a:rPr kumimoji="0" lang="en" altLang="en-US" sz="1800" b="0" i="0" u="none" strike="noStrike" cap="none" normalizeH="0" baseline="0" dirty="0" smtClean="0">
                 <a:ln>
                   <a:noFill/>
@@ -4800,9 +4760,9 @@
                 <a:effectLst/>
                 <a:latin typeface="Arial" panose="020B0604020202020204" pitchFamily="34" charset="0"/>
               </a:rPr>
-              <a:t>, </a:t>
-            </a:r>
-            <a:r xmlns:a="http://schemas.openxmlformats.org/drawingml/2006/main">
+              <a:t> </a:t>
+            </a:r>
+            <a:r>
               <a:rPr kumimoji="0" lang="en" altLang="en-US" sz="1800" b="0" i="0" u="none" strike="noStrike" cap="none" normalizeH="0" baseline="0" dirty="0" err="1" smtClean="0">
                 <a:ln>
                   <a:noFill/>
@@ -4813,9 +4773,22 @@
                 <a:effectLst/>
                 <a:latin typeface="Arial" panose="020B0604020202020204" pitchFamily="34" charset="0"/>
               </a:rPr>
-              <a:t>choose</a:t>
-            </a:r>
-            <a:r xmlns:a="http://schemas.openxmlformats.org/drawingml/2006/main">
+              <a:t>authentication</a:t>
+            </a:r>
+            <a:r>
+              <a:rPr kumimoji="0" lang="en" altLang="en-US" sz="1800" b="0" i="0" u="none" strike="noStrike" cap="none" normalizeH="0" baseline="0" dirty="0" smtClean="0">
+                <a:ln>
+                  <a:noFill/>
+                </a:ln>
+                <a:solidFill>
+                  <a:schemeClr val="tx1"/>
+                </a:solidFill>
+                <a:effectLst/>
+                <a:latin typeface="Arial" panose="020B0604020202020204" pitchFamily="34" charset="0"/>
+              </a:rPr>
+              <a:t> </a:t>
+            </a:r>
+            <a:r>
               <a:rPr kumimoji="0" lang="en" altLang="en-US" sz="1800" b="1" i="0" u="none" strike="noStrike" cap="none" normalizeH="0" baseline="0" dirty="0" err="1" smtClean="0">
                 <a:ln>
                   <a:noFill/>
@@ -4826,9 +4799,9 @@
                 <a:effectLst/>
                 <a:latin typeface="Arial" panose="020B0604020202020204" pitchFamily="34" charset="0"/>
               </a:rPr>
-              <a:t>​</a:t>
-            </a:r>
-            <a:r xmlns:a="http://schemas.openxmlformats.org/drawingml/2006/main">
+              <a:t>Anonymous </a:t>
+            </a:r>
+            <a:r>
               <a:rPr kumimoji="0" lang="en" altLang="en-US" sz="1800" b="0" i="0" u="none" strike="noStrike" cap="none" normalizeH="0" baseline="0" dirty="0" smtClean="0">
                 <a:ln>
                   <a:noFill/>
@@ -4839,63 +4812,11 @@
                 <a:effectLst/>
                 <a:latin typeface="Arial" panose="020B0604020202020204" pitchFamily="34" charset="0"/>
               </a:rPr>
-              <a:t> </a:t>
-            </a:r>
-            <a:r xmlns:a="http://schemas.openxmlformats.org/drawingml/2006/main">
-              <a:rPr kumimoji="0" lang="en" altLang="en-US" sz="1800" b="0" i="0" u="none" strike="noStrike" cap="none" normalizeH="0" baseline="0" dirty="0" err="1" smtClean="0">
-                <a:ln>
-                  <a:noFill/>
-                </a:ln>
-                <a:solidFill>
-                  <a:schemeClr val="tx1"/>
-                </a:solidFill>
-                <a:effectLst/>
-                <a:latin typeface="Arial" panose="020B0604020202020204" pitchFamily="34" charset="0"/>
-              </a:rPr>
-              <a:t>authentication</a:t>
-            </a:r>
-            <a:r xmlns:a="http://schemas.openxmlformats.org/drawingml/2006/main">
-              <a:rPr kumimoji="0" lang="en" altLang="en-US" sz="1800" b="0" i="0" u="none" strike="noStrike" cap="none" normalizeH="0" baseline="0" dirty="0" smtClean="0">
-                <a:ln>
-                  <a:noFill/>
-                </a:ln>
-                <a:solidFill>
-                  <a:schemeClr val="tx1"/>
-                </a:solidFill>
-                <a:effectLst/>
-                <a:latin typeface="Arial" panose="020B0604020202020204" pitchFamily="34" charset="0"/>
-              </a:rPr>
-              <a:t> </a:t>
-            </a:r>
-            <a:r xmlns:a="http://schemas.openxmlformats.org/drawingml/2006/main">
-              <a:rPr kumimoji="0" lang="en" altLang="en-US" sz="1800" b="1" i="0" u="none" strike="noStrike" cap="none" normalizeH="0" baseline="0" dirty="0" err="1" smtClean="0">
-                <a:ln>
-                  <a:noFill/>
-                </a:ln>
-                <a:solidFill>
-                  <a:schemeClr val="tx1"/>
-                </a:solidFill>
-                <a:effectLst/>
-                <a:latin typeface="Arial" panose="020B0604020202020204" pitchFamily="34" charset="0"/>
-              </a:rPr>
-              <a:t>Anonymous </a:t>
-            </a:r>
-            <a:r xmlns:a="http://schemas.openxmlformats.org/drawingml/2006/main">
-              <a:rPr kumimoji="0" lang="en" altLang="en-US" sz="1800" b="0" i="0" u="none" strike="noStrike" cap="none" normalizeH="0" baseline="0" dirty="0" smtClean="0">
-                <a:ln>
-                  <a:noFill/>
-                </a:ln>
-                <a:solidFill>
-                  <a:schemeClr val="tx1"/>
-                </a:solidFill>
-                <a:effectLst/>
-                <a:latin typeface="Arial" panose="020B0604020202020204" pitchFamily="34" charset="0"/>
-              </a:rPr>
               <a:t>,</a:t>
             </a:r>
           </a:p>
           <a:p>
-            <a:pPr xmlns:a="http://schemas.openxmlformats.org/drawingml/2006/main" marL="0" marR="0" lvl="0" indent="0" algn="l" defTabSz="914400" rtl="0" eaLnBrk="0" fontAlgn="base" latinLnBrk="0" hangingPunct="0">
+            <a:pPr marL="0" marR="0" lvl="0" indent="0" algn="l" defTabSz="914400" rtl="0" eaLnBrk="0" fontAlgn="base" latinLnBrk="0" hangingPunct="0">
               <a:lnSpc>
                 <a:spcPct val="100000"/>
               </a:lnSpc>
@@ -4911,7 +4832,7 @@
               <a:buNone/>
               <a:tabLst/>
             </a:pPr>
-            <a:r xmlns:a="http://schemas.openxmlformats.org/drawingml/2006/main">
+            <a:r>
               <a:rPr kumimoji="0" lang="en" altLang="en-US" sz="1800" b="0" i="0" u="none" strike="noStrike" cap="none" normalizeH="0" baseline="0" dirty="0" smtClean="0">
                 <a:ln>
                   <a:noFill/>
@@ -4924,7 +4845,7 @@
               </a:rPr>
               <a:t> </a:t>
             </a:r>
-            <a:r xmlns:a="http://schemas.openxmlformats.org/drawingml/2006/main">
+            <a:r>
               <a:rPr kumimoji="0" lang="en" altLang="en-US" sz="1800" b="0" i="0" u="none" strike="noStrike" cap="none" normalizeH="0" baseline="0" dirty="0" err="1" smtClean="0">
                 <a:ln>
                   <a:noFill/>
@@ -4937,7 +4858,7 @@
               </a:rPr>
               <a:t>Then</a:t>
             </a:r>
-            <a:r xmlns:a="http://schemas.openxmlformats.org/drawingml/2006/main">
+            <a:r>
               <a:rPr kumimoji="0" lang="en" altLang="en-US" sz="1800" b="0" i="0" u="none" strike="noStrike" cap="none" normalizeH="0" baseline="0" dirty="0" smtClean="0">
                 <a:ln>
                   <a:noFill/>
@@ -4950,7 +4871,7 @@
               </a:rPr>
               <a:t> </a:t>
             </a:r>
-            <a:r xmlns:a="http://schemas.openxmlformats.org/drawingml/2006/main">
+            <a:r>
               <a:rPr kumimoji="0" lang="en" altLang="en-US" sz="1800" b="0" i="0" u="none" strike="noStrike" cap="none" normalizeH="0" baseline="0" dirty="0" err="1" smtClean="0">
                 <a:ln>
                   <a:noFill/>
@@ -4963,13 +4884,13 @@
               </a:rPr>
               <a:t>Click </a:t>
             </a:r>
-            <a:r xmlns:a="http://schemas.openxmlformats.org/drawingml/2006/main">
+            <a:r>
               <a:rPr lang="en" altLang="en-US" b="1" dirty="0" smtClean="0">
                 <a:latin typeface="Arial" panose="020B0604020202020204" pitchFamily="34" charset="0"/>
               </a:rPr>
               <a:t>OK </a:t>
             </a:r>
-            <a:r xmlns:a="http://schemas.openxmlformats.org/drawingml/2006/main">
+            <a:r>
               <a:rPr kumimoji="0" lang="en" altLang="en-US" sz="1800" b="0" i="0" u="none" strike="noStrike" cap="none" normalizeH="0" baseline="0" dirty="0" smtClean="0">
                 <a:ln>
                   <a:noFill/>
@@ -4980,20 +4901,7 @@
                 <a:effectLst/>
                 <a:latin typeface="Arial" panose="020B0604020202020204" pitchFamily="34" charset="0"/>
               </a:rPr>
-              <a:t>.</a:t>
-            </a:r>
-            <a:r xmlns:a="http://schemas.openxmlformats.org/drawingml/2006/main">
-              <a:rPr kumimoji="0" lang="en" altLang="en-US" sz="1800" b="0" i="0" u="none" strike="noStrike" cap="none" normalizeH="0" baseline="0" dirty="0" smtClean="0">
-                <a:ln>
-                  <a:noFill/>
-                </a:ln>
-                <a:solidFill>
-                  <a:schemeClr val="tx1"/>
-                </a:solidFill>
-                <a:effectLst/>
-                <a:latin typeface="Arial" panose="020B0604020202020204" pitchFamily="34" charset="0"/>
-              </a:rPr>
-              <a:t>​</a:t>
+              <a:t>.​</a:t>
             </a:r>
           </a:p>
         </p:txBody>
@@ -5057,7 +4965,7 @@
           </a:bodyPr>
           <a:lstStyle/>
           <a:p>
-            <a:pPr xmlns:a="http://schemas.openxmlformats.org/drawingml/2006/main" marL="0" marR="0" lvl="0" indent="0" algn="l" defTabSz="914400" rtl="0" eaLnBrk="0" fontAlgn="base" latinLnBrk="0" hangingPunct="0">
+            <a:pPr marL="0" marR="0" lvl="0" indent="0" algn="l" defTabSz="914400" rtl="0" eaLnBrk="0" fontAlgn="base" latinLnBrk="0" hangingPunct="0">
               <a:lnSpc>
                 <a:spcPct val="100000"/>
               </a:lnSpc>
@@ -5073,7 +4981,7 @@
               <a:buNone/>
               <a:tabLst/>
             </a:pPr>
-            <a:r xmlns:a="http://schemas.openxmlformats.org/drawingml/2006/main">
+            <a:r>
               <a:rPr kumimoji="0" lang="en" altLang="en-US" sz="1800" b="0" i="0" u="none" strike="noStrike" cap="none" normalizeH="0" baseline="0" smtClean="0">
                 <a:ln>
                   <a:noFill/>
@@ -5086,7 +4994,7 @@
               </a:rPr>
               <a:t>Try navigating between the two tabs: </a:t>
             </a:r>
-            <a:r xmlns:a="http://schemas.openxmlformats.org/drawingml/2006/main">
+            <a:r>
               <a:rPr kumimoji="0" lang="en" altLang="en-US" sz="1800" b="1" i="0" u="none" strike="noStrike" cap="none" normalizeH="0" baseline="0" smtClean="0">
                 <a:ln>
                   <a:noFill/>
@@ -5099,7 +5007,7 @@
               </a:rPr>
               <a:t>Table View </a:t>
             </a:r>
-            <a:r xmlns:a="http://schemas.openxmlformats.org/drawingml/2006/main">
+            <a:r>
               <a:rPr kumimoji="0" lang="en" altLang="en-US" sz="1800" b="0" i="0" u="none" strike="noStrike" cap="none" normalizeH="0" baseline="0" smtClean="0">
                 <a:ln>
                   <a:noFill/>
@@ -5112,7 +5020,7 @@
               </a:rPr>
               <a:t>and </a:t>
             </a:r>
-            <a:r xmlns:a="http://schemas.openxmlformats.org/drawingml/2006/main">
+            <a:r>
               <a:rPr kumimoji="0" lang="en" altLang="en-US" sz="1800" b="1" i="0" u="none" strike="noStrike" cap="none" normalizeH="0" baseline="0" smtClean="0">
                 <a:ln>
                   <a:noFill/>
@@ -5125,7 +5033,7 @@
               </a:rPr>
               <a:t>Web View </a:t>
             </a:r>
-            <a:r xmlns:a="http://schemas.openxmlformats.org/drawingml/2006/main">
+            <a:r>
               <a:rPr kumimoji="0" lang="en" altLang="en-US" sz="1800" b="0" i="0" u="none" strike="noStrike" cap="none" normalizeH="0" baseline="0" smtClean="0">
                 <a:ln>
                   <a:noFill/>
@@ -5192,7 +5100,7 @@
           </a:bodyPr>
           <a:lstStyle/>
           <a:p>
-            <a:pPr xmlns:a="http://schemas.openxmlformats.org/drawingml/2006/main">
+            <a:pPr>
               <a:lnSpc>
                 <a:spcPct val="107000"/>
               </a:lnSpc>
@@ -5203,7 +5111,7 @@
                 <a:spcPts val="0"/>
               </a:spcAft>
             </a:pPr>
-            <a:r xmlns:a="http://schemas.openxmlformats.org/drawingml/2006/main">
+            <a:r>
               <a:rPr lang="en" b="1" kern="0" dirty="0" smtClean="0">
                 <a:latin typeface="Segoe UI" panose="020B0502040204020203" pitchFamily="34" charset="0"/>
                 <a:ea typeface="Times New Roman" panose="02020603050405020304" pitchFamily="18" charset="0"/>
@@ -5211,7 +5119,7 @@
               </a:rPr>
               <a:t>Import data from the web</a:t>
             </a:r>
-            <a:endParaRPr xmlns:a="http://schemas.openxmlformats.org/drawingml/2006/main" lang="en-US" b="1" kern="0" dirty="0">
+            <a:endParaRPr lang="en-US" b="1" kern="0" dirty="0">
               <a:latin typeface="Segoe UI" panose="020B0502040204020203" pitchFamily="34" charset="0"/>
               <a:ea typeface="Times New Roman" panose="02020603050405020304" pitchFamily="18" charset="0"/>
               <a:cs typeface="Times New Roman" panose="02020603050405020304" pitchFamily="18" charset="0"/>
@@ -5317,7 +5225,7 @@
           </a:bodyPr>
           <a:lstStyle/>
           <a:p>
-            <a:pPr xmlns:a="http://schemas.openxmlformats.org/drawingml/2006/main" marL="0" marR="0" lvl="0" indent="0" algn="l" defTabSz="914400" rtl="0" eaLnBrk="0" fontAlgn="base" latinLnBrk="0" hangingPunct="0">
+            <a:pPr marL="0" marR="0" lvl="0" indent="0" algn="l" defTabSz="914400" rtl="0" eaLnBrk="0" fontAlgn="base" latinLnBrk="0" hangingPunct="0">
               <a:lnSpc>
                 <a:spcPct val="100000"/>
               </a:lnSpc>
@@ -5333,7 +5241,7 @@
               <a:buNone/>
               <a:tabLst/>
             </a:pPr>
-            <a:r xmlns:a="http://schemas.openxmlformats.org/drawingml/2006/main">
+            <a:r>
               <a:rPr kumimoji="0" lang="en" altLang="en-US" sz="1800" b="0" i="0" u="none" strike="noStrike" cap="none" normalizeH="0" baseline="0" smtClean="0">
                 <a:ln>
                   <a:noFill/>
@@ -5346,7 +5254,7 @@
               </a:rPr>
               <a:t>Try navigating between the two tabs </a:t>
             </a:r>
-            <a:r xmlns:a="http://schemas.openxmlformats.org/drawingml/2006/main">
+            <a:r>
               <a:rPr kumimoji="0" lang="en" altLang="en-US" sz="1800" b="1" i="0" u="none" strike="noStrike" cap="none" normalizeH="0" baseline="0" smtClean="0">
                 <a:ln>
                   <a:noFill/>
@@ -5359,7 +5267,7 @@
               </a:rPr>
               <a:t>Table View </a:t>
             </a:r>
-            <a:r xmlns:a="http://schemas.openxmlformats.org/drawingml/2006/main">
+            <a:r>
               <a:rPr kumimoji="0" lang="en" altLang="en-US" sz="1800" b="0" i="0" u="none" strike="noStrike" cap="none" normalizeH="0" baseline="0" smtClean="0">
                 <a:ln>
                   <a:noFill/>
@@ -5372,7 +5280,7 @@
               </a:rPr>
               <a:t>and </a:t>
             </a:r>
-            <a:r xmlns:a="http://schemas.openxmlformats.org/drawingml/2006/main">
+            <a:r>
               <a:rPr kumimoji="0" lang="en" altLang="en-US" sz="1800" b="1" i="0" u="none" strike="noStrike" cap="none" normalizeH="0" baseline="0" smtClean="0">
                 <a:ln>
                   <a:noFill/>
@@ -5385,7 +5293,7 @@
               </a:rPr>
               <a:t>Web View </a:t>
             </a:r>
-            <a:r xmlns:a="http://schemas.openxmlformats.org/drawingml/2006/main">
+            <a:r>
               <a:rPr kumimoji="0" lang="en" altLang="en-US" sz="1800" b="0" i="0" u="none" strike="noStrike" cap="none" normalizeH="0" baseline="0" smtClean="0">
                 <a:ln>
                   <a:noFill/>
@@ -5486,8 +5394,8 @@
         </p:nvSpPr>
         <p:spPr>
           <a:xfrm>
-            <a:off x="4402178" y="2685208"/>
-            <a:ext cx="3456395" cy="1569660"/>
+            <a:off x="2968490" y="2561030"/>
+            <a:ext cx="6230360" cy="1569660"/>
           </a:xfrm>
           <a:prstGeom prst="rect">
             <a:avLst/>
@@ -5594,8 +5502,8 @@
             </a:lvl9pPr>
           </a:lstStyle>
           <a:p>
-            <a:r xmlns:a="http://schemas.openxmlformats.org/drawingml/2006/main">
-              <a:rPr lang="en" sz="9600" b="1" dirty="0" smtClean="0">
+            <a:r>
+              <a:rPr lang="en-US" sz="9600" b="1" dirty="0" smtClean="0">
                 <a:solidFill>
                   <a:srgbClr val="7030A0"/>
                 </a:solidFill>
@@ -5603,9 +5511,9 @@
                 <a:ea typeface="Verdana" panose="020B0604030504040204" pitchFamily="34" charset="0"/>
                 <a:cs typeface="Segoe UI" panose="020B0502040204020203" pitchFamily="34" charset="0"/>
               </a:rPr>
-              <a:t>THANKS</a:t>
-            </a:r>
-            <a:endParaRPr xmlns:a="http://schemas.openxmlformats.org/drawingml/2006/main" lang="en-US" sz="9600" b="1" dirty="0">
+              <a:t>Thank you</a:t>
+            </a:r>
+            <a:endParaRPr lang="en-US" sz="9600" b="1" dirty="0">
               <a:solidFill>
                 <a:srgbClr val="7030A0"/>
               </a:solidFill>
@@ -5624,8 +5532,8 @@
         </p:nvSpPr>
         <p:spPr>
           <a:xfrm>
-            <a:off x="4333426" y="2603133"/>
-            <a:ext cx="3456395" cy="1569660"/>
+            <a:off x="2899738" y="2478955"/>
+            <a:ext cx="6230360" cy="1569660"/>
           </a:xfrm>
           <a:prstGeom prst="rect">
             <a:avLst/>
@@ -5732,8 +5640,8 @@
             </a:lvl9pPr>
           </a:lstStyle>
           <a:p>
-            <a:r xmlns:a="http://schemas.openxmlformats.org/drawingml/2006/main">
-              <a:rPr lang="en" sz="9600" b="1" dirty="0" smtClean="0">
+            <a:r>
+              <a:rPr lang="en-US" sz="9600" b="1" dirty="0" smtClean="0">
                 <a:solidFill>
                   <a:schemeClr val="bg1"/>
                 </a:solidFill>
@@ -5741,9 +5649,9 @@
                 <a:ea typeface="Verdana" panose="020B0604030504040204" pitchFamily="34" charset="0"/>
                 <a:cs typeface="Segoe UI" panose="020B0502040204020203" pitchFamily="34" charset="0"/>
               </a:rPr>
-              <a:t>THANKS</a:t>
-            </a:r>
-            <a:endParaRPr xmlns:a="http://schemas.openxmlformats.org/drawingml/2006/main" lang="en-US" sz="9600" b="1" dirty="0">
+              <a:t>Thank you</a:t>
+            </a:r>
+            <a:endParaRPr lang="en-US" sz="9600" b="1" dirty="0">
               <a:solidFill>
                 <a:schemeClr val="bg1"/>
               </a:solidFill>
